--- a/CLR_via_CSharp/Chapter 11 - Events/Events.pptx
+++ b/CLR_via_CSharp/Chapter 11 - Events/Events.pptx
@@ -105,6 +105,11 @@
       </a:defRPr>
     </a:lvl9pPr>
   </p:defaultTextStyle>
+  <p:extLst>
+    <p:ext uri="{EFAFB233-063F-42B5-8137-9DF3F51BA10A}">
+      <p15:sldGuideLst xmlns:p15="http://schemas.microsoft.com/office/powerpoint/2012/main"/>
+    </p:ext>
+  </p:extLst>
 </p:presentation>
 </file>
 
@@ -239,7 +244,7 @@
           <a:p>
             <a:fld id="{B848D08C-1D48-4FF5-B052-B49761164EE0}" type="datetimeFigureOut">
               <a:rPr lang="en-US" smtClean="0"/>
-              <a:t>9/22/2022</a:t>
+              <a:t>9/29/2022</a:t>
             </a:fld>
             <a:endParaRPr lang="en-US"/>
           </a:p>
@@ -409,7 +414,7 @@
           <a:p>
             <a:fld id="{B848D08C-1D48-4FF5-B052-B49761164EE0}" type="datetimeFigureOut">
               <a:rPr lang="en-US" smtClean="0"/>
-              <a:t>9/22/2022</a:t>
+              <a:t>9/29/2022</a:t>
             </a:fld>
             <a:endParaRPr lang="en-US"/>
           </a:p>
@@ -589,7 +594,7 @@
           <a:p>
             <a:fld id="{B848D08C-1D48-4FF5-B052-B49761164EE0}" type="datetimeFigureOut">
               <a:rPr lang="en-US" smtClean="0"/>
-              <a:t>9/22/2022</a:t>
+              <a:t>9/29/2022</a:t>
             </a:fld>
             <a:endParaRPr lang="en-US"/>
           </a:p>
@@ -759,7 +764,7 @@
           <a:p>
             <a:fld id="{B848D08C-1D48-4FF5-B052-B49761164EE0}" type="datetimeFigureOut">
               <a:rPr lang="en-US" smtClean="0"/>
-              <a:t>9/22/2022</a:t>
+              <a:t>9/29/2022</a:t>
             </a:fld>
             <a:endParaRPr lang="en-US"/>
           </a:p>
@@ -1005,7 +1010,7 @@
           <a:p>
             <a:fld id="{B848D08C-1D48-4FF5-B052-B49761164EE0}" type="datetimeFigureOut">
               <a:rPr lang="en-US" smtClean="0"/>
-              <a:t>9/22/2022</a:t>
+              <a:t>9/29/2022</a:t>
             </a:fld>
             <a:endParaRPr lang="en-US"/>
           </a:p>
@@ -1237,7 +1242,7 @@
           <a:p>
             <a:fld id="{B848D08C-1D48-4FF5-B052-B49761164EE0}" type="datetimeFigureOut">
               <a:rPr lang="en-US" smtClean="0"/>
-              <a:t>9/22/2022</a:t>
+              <a:t>9/29/2022</a:t>
             </a:fld>
             <a:endParaRPr lang="en-US"/>
           </a:p>
@@ -1604,7 +1609,7 @@
           <a:p>
             <a:fld id="{B848D08C-1D48-4FF5-B052-B49761164EE0}" type="datetimeFigureOut">
               <a:rPr lang="en-US" smtClean="0"/>
-              <a:t>9/22/2022</a:t>
+              <a:t>9/29/2022</a:t>
             </a:fld>
             <a:endParaRPr lang="en-US"/>
           </a:p>
@@ -1722,7 +1727,7 @@
           <a:p>
             <a:fld id="{B848D08C-1D48-4FF5-B052-B49761164EE0}" type="datetimeFigureOut">
               <a:rPr lang="en-US" smtClean="0"/>
-              <a:t>9/22/2022</a:t>
+              <a:t>9/29/2022</a:t>
             </a:fld>
             <a:endParaRPr lang="en-US"/>
           </a:p>
@@ -1817,7 +1822,7 @@
           <a:p>
             <a:fld id="{B848D08C-1D48-4FF5-B052-B49761164EE0}" type="datetimeFigureOut">
               <a:rPr lang="en-US" smtClean="0"/>
-              <a:t>9/22/2022</a:t>
+              <a:t>9/29/2022</a:t>
             </a:fld>
             <a:endParaRPr lang="en-US"/>
           </a:p>
@@ -2094,7 +2099,7 @@
           <a:p>
             <a:fld id="{B848D08C-1D48-4FF5-B052-B49761164EE0}" type="datetimeFigureOut">
               <a:rPr lang="en-US" smtClean="0"/>
-              <a:t>9/22/2022</a:t>
+              <a:t>9/29/2022</a:t>
             </a:fld>
             <a:endParaRPr lang="en-US"/>
           </a:p>
@@ -2351,7 +2356,7 @@
           <a:p>
             <a:fld id="{B848D08C-1D48-4FF5-B052-B49761164EE0}" type="datetimeFigureOut">
               <a:rPr lang="en-US" smtClean="0"/>
-              <a:t>9/22/2022</a:t>
+              <a:t>9/29/2022</a:t>
             </a:fld>
             <a:endParaRPr lang="en-US"/>
           </a:p>
@@ -2564,7 +2569,7 @@
           <a:p>
             <a:fld id="{B848D08C-1D48-4FF5-B052-B49761164EE0}" type="datetimeFigureOut">
               <a:rPr lang="en-US" smtClean="0"/>
-              <a:t>9/22/2022</a:t>
+              <a:t>9/29/2022</a:t>
             </a:fld>
             <a:endParaRPr lang="en-US"/>
           </a:p>
@@ -3126,7 +3131,51 @@
             </a:pPr>
             <a:r>
               <a:rPr lang="en-US" dirty="0"/>
+              <a:t>* </a:t>
+            </a:r>
+            <a:r>
+              <a:rPr lang="en-US" b="0" i="0" dirty="0">
+                <a:solidFill>
+                  <a:srgbClr val="E6E6E6"/>
+                </a:solidFill>
+                <a:effectLst/>
+                <a:latin typeface="Segoe UI" panose="020B0502040204020203" pitchFamily="34" charset="0"/>
+              </a:rPr>
+              <a:t>If two or more anonymous object initializers in an assembly specify a sequence of properties that are in the same order and that have the same names and types, the compiler treats the objects as instances of the same type. They share the same compiler-generated type information.</a:t>
+            </a:r>
+            <a:endParaRPr lang="en-US" dirty="0"/>
+          </a:p>
+          <a:p>
+            <a:pPr marL="0" indent="0">
+              <a:buNone/>
+            </a:pPr>
+            <a:r>
+              <a:rPr lang="en-US" dirty="0"/>
               <a:t>-- what level do anonymous types get disambiguated at</a:t>
+            </a:r>
+          </a:p>
+          <a:p>
+            <a:pPr marL="0" indent="0">
+              <a:buNone/>
+            </a:pPr>
+            <a:r>
+              <a:rPr lang="en-US" dirty="0">
+                <a:hlinkClick r:id="rId2"/>
+              </a:rPr>
+              <a:t>C# Anonymous Types – </a:t>
+            </a:r>
+            <a:r>
+              <a:rPr lang="en-US" dirty="0" err="1">
+                <a:hlinkClick r:id="rId2"/>
+              </a:rPr>
+              <a:t>Tutlane</a:t>
+            </a:r>
+            <a:br>
+              <a:rPr lang="en-US" dirty="0"/>
+            </a:br>
+            <a:r>
+              <a:rPr lang="en-US" dirty="0"/>
+              <a:t>Method it’s initialized in</a:t>
             </a:r>
           </a:p>
           <a:p>

--- a/CLR_via_CSharp/Chapter 11 - Events/Events.pptx
+++ b/CLR_via_CSharp/Chapter 11 - Events/Events.pptx
@@ -7,6 +7,9 @@
   <p:sldIdLst>
     <p:sldId id="256" r:id="rId2"/>
     <p:sldId id="257" r:id="rId3"/>
+    <p:sldId id="258" r:id="rId4"/>
+    <p:sldId id="259" r:id="rId5"/>
+    <p:sldId id="260" r:id="rId6"/>
   </p:sldIdLst>
   <p:sldSz cx="12192000" cy="6858000"/>
   <p:notesSz cx="6858000" cy="9144000"/>
@@ -3199,6 +3202,1318 @@
 </p:sld>
 </file>
 
+<file path=ppt/slides/slide3.xml><?xml version="1.0" encoding="utf-8"?>
+<p:sld xmlns:a="http://schemas.openxmlformats.org/drawingml/2006/main" xmlns:r="http://schemas.openxmlformats.org/officeDocument/2006/relationships" xmlns:p="http://schemas.openxmlformats.org/presentationml/2006/main">
+  <p:cSld>
+    <p:spTree>
+      <p:nvGrpSpPr>
+        <p:cNvPr id="1" name=""/>
+        <p:cNvGrpSpPr/>
+        <p:nvPr/>
+      </p:nvGrpSpPr>
+      <p:grpSpPr>
+        <a:xfrm>
+          <a:off x="0" y="0"/>
+          <a:ext cx="0" cy="0"/>
+          <a:chOff x="0" y="0"/>
+          <a:chExt cx="0" cy="0"/>
+        </a:xfrm>
+      </p:grpSpPr>
+      <p:sp>
+        <p:nvSpPr>
+          <p:cNvPr id="2" name="Title 1">
+            <a:extLst>
+              <a:ext uri="{FF2B5EF4-FFF2-40B4-BE49-F238E27FC236}">
+                <a16:creationId xmlns:a16="http://schemas.microsoft.com/office/drawing/2014/main" id="{9F2CFB14-41F2-F0F0-8EF3-6107E370B588}"/>
+              </a:ext>
+            </a:extLst>
+          </p:cNvPr>
+          <p:cNvSpPr>
+            <a:spLocks noGrp="1"/>
+          </p:cNvSpPr>
+          <p:nvPr>
+            <p:ph type="title"/>
+          </p:nvPr>
+        </p:nvSpPr>
+        <p:spPr/>
+        <p:txBody>
+          <a:bodyPr/>
+          <a:lstStyle/>
+          <a:p>
+            <a:r>
+              <a:rPr lang="en-US" dirty="0"/>
+              <a:t>Event Theory</a:t>
+            </a:r>
+          </a:p>
+        </p:txBody>
+      </p:sp>
+      <p:sp>
+        <p:nvSpPr>
+          <p:cNvPr id="4" name="Rectangle 3">
+            <a:extLst>
+              <a:ext uri="{FF2B5EF4-FFF2-40B4-BE49-F238E27FC236}">
+                <a16:creationId xmlns:a16="http://schemas.microsoft.com/office/drawing/2014/main" id="{8979DFCD-9634-FEA9-411C-0C15D310F3BA}"/>
+              </a:ext>
+            </a:extLst>
+          </p:cNvPr>
+          <p:cNvSpPr/>
+          <p:nvPr/>
+        </p:nvSpPr>
+        <p:spPr>
+          <a:xfrm>
+            <a:off x="5129917" y="2673626"/>
+            <a:ext cx="1932166" cy="755374"/>
+          </a:xfrm>
+          <a:prstGeom prst="rect">
+            <a:avLst/>
+          </a:prstGeom>
+        </p:spPr>
+        <p:style>
+          <a:lnRef idx="2">
+            <a:schemeClr val="accent1">
+              <a:shade val="50000"/>
+            </a:schemeClr>
+          </a:lnRef>
+          <a:fillRef idx="1">
+            <a:schemeClr val="accent1"/>
+          </a:fillRef>
+          <a:effectRef idx="0">
+            <a:schemeClr val="accent1"/>
+          </a:effectRef>
+          <a:fontRef idx="minor">
+            <a:schemeClr val="lt1"/>
+          </a:fontRef>
+        </p:style>
+        <p:txBody>
+          <a:bodyPr rtlCol="0" anchor="ctr"/>
+          <a:lstStyle/>
+          <a:p>
+            <a:pPr algn="ctr"/>
+            <a:r>
+              <a:rPr lang="en-US" dirty="0"/>
+              <a:t>Medical System Cruelty</a:t>
+            </a:r>
+          </a:p>
+        </p:txBody>
+      </p:sp>
+      <p:sp>
+        <p:nvSpPr>
+          <p:cNvPr id="5" name="Rectangle 4">
+            <a:extLst>
+              <a:ext uri="{FF2B5EF4-FFF2-40B4-BE49-F238E27FC236}">
+                <a16:creationId xmlns:a16="http://schemas.microsoft.com/office/drawing/2014/main" id="{CCE085E9-4371-C904-BFC5-E5408C2ADB6A}"/>
+              </a:ext>
+            </a:extLst>
+          </p:cNvPr>
+          <p:cNvSpPr/>
+          <p:nvPr/>
+        </p:nvSpPr>
+        <p:spPr>
+          <a:xfrm>
+            <a:off x="5155758" y="4134678"/>
+            <a:ext cx="1880484" cy="830912"/>
+          </a:xfrm>
+          <a:prstGeom prst="rect">
+            <a:avLst/>
+          </a:prstGeom>
+        </p:spPr>
+        <p:style>
+          <a:lnRef idx="2">
+            <a:schemeClr val="accent1">
+              <a:shade val="50000"/>
+            </a:schemeClr>
+          </a:lnRef>
+          <a:fillRef idx="1">
+            <a:schemeClr val="accent1"/>
+          </a:fillRef>
+          <a:effectRef idx="0">
+            <a:schemeClr val="accent1"/>
+          </a:effectRef>
+          <a:fontRef idx="minor">
+            <a:schemeClr val="lt1"/>
+          </a:fontRef>
+        </p:style>
+        <p:txBody>
+          <a:bodyPr rtlCol="0" anchor="ctr"/>
+          <a:lstStyle/>
+          <a:p>
+            <a:pPr algn="ctr"/>
+            <a:r>
+              <a:rPr lang="en-US" dirty="0"/>
+              <a:t>Resident’s Pager</a:t>
+            </a:r>
+          </a:p>
+        </p:txBody>
+      </p:sp>
+      <p:cxnSp>
+        <p:nvCxnSpPr>
+          <p:cNvPr id="9" name="Straight Arrow Connector 8">
+            <a:extLst>
+              <a:ext uri="{FF2B5EF4-FFF2-40B4-BE49-F238E27FC236}">
+                <a16:creationId xmlns:a16="http://schemas.microsoft.com/office/drawing/2014/main" id="{47AEC360-C340-CDCB-EB73-F3CCACE2CDA4}"/>
+              </a:ext>
+            </a:extLst>
+          </p:cNvPr>
+          <p:cNvCxnSpPr>
+            <a:stCxn id="4" idx="2"/>
+            <a:endCxn id="5" idx="0"/>
+          </p:cNvCxnSpPr>
+          <p:nvPr/>
+        </p:nvCxnSpPr>
+        <p:spPr>
+          <a:xfrm>
+            <a:off x="6096000" y="3429000"/>
+            <a:ext cx="0" cy="705678"/>
+          </a:xfrm>
+          <a:prstGeom prst="straightConnector1">
+            <a:avLst/>
+          </a:prstGeom>
+          <a:ln>
+            <a:tailEnd type="triangle"/>
+          </a:ln>
+        </p:spPr>
+        <p:style>
+          <a:lnRef idx="1">
+            <a:schemeClr val="accent1"/>
+          </a:lnRef>
+          <a:fillRef idx="0">
+            <a:schemeClr val="accent1"/>
+          </a:fillRef>
+          <a:effectRef idx="0">
+            <a:schemeClr val="accent1"/>
+          </a:effectRef>
+          <a:fontRef idx="minor">
+            <a:schemeClr val="tx1"/>
+          </a:fontRef>
+        </p:style>
+      </p:cxnSp>
+      <p:sp>
+        <p:nvSpPr>
+          <p:cNvPr id="10" name="TextBox 9">
+            <a:extLst>
+              <a:ext uri="{FF2B5EF4-FFF2-40B4-BE49-F238E27FC236}">
+                <a16:creationId xmlns:a16="http://schemas.microsoft.com/office/drawing/2014/main" id="{5F16D981-B2AF-2C05-9B18-3A32F3B13A58}"/>
+              </a:ext>
+            </a:extLst>
+          </p:cNvPr>
+          <p:cNvSpPr txBox="1"/>
+          <p:nvPr/>
+        </p:nvSpPr>
+        <p:spPr>
+          <a:xfrm>
+            <a:off x="6096000" y="3609100"/>
+            <a:ext cx="3427012" cy="369332"/>
+          </a:xfrm>
+          <a:prstGeom prst="rect">
+            <a:avLst/>
+          </a:prstGeom>
+          <a:noFill/>
+        </p:spPr>
+        <p:txBody>
+          <a:bodyPr wrap="square" rtlCol="0">
+            <a:spAutoFit/>
+          </a:bodyPr>
+          <a:lstStyle/>
+          <a:p>
+            <a:r>
+              <a:rPr lang="en-US" dirty="0"/>
+              <a:t>Time to do something</a:t>
+            </a:r>
+          </a:p>
+        </p:txBody>
+      </p:sp>
+      <p:sp>
+        <p:nvSpPr>
+          <p:cNvPr id="12" name="TextBox 11">
+            <a:extLst>
+              <a:ext uri="{FF2B5EF4-FFF2-40B4-BE49-F238E27FC236}">
+                <a16:creationId xmlns:a16="http://schemas.microsoft.com/office/drawing/2014/main" id="{A3F05BA1-65F8-31B3-2AEB-503644AA0E1B}"/>
+              </a:ext>
+            </a:extLst>
+          </p:cNvPr>
+          <p:cNvSpPr txBox="1"/>
+          <p:nvPr/>
+        </p:nvSpPr>
+        <p:spPr>
+          <a:xfrm>
+            <a:off x="4968240" y="5347412"/>
+            <a:ext cx="3427012" cy="1200329"/>
+          </a:xfrm>
+          <a:prstGeom prst="rect">
+            <a:avLst/>
+          </a:prstGeom>
+          <a:noFill/>
+        </p:spPr>
+        <p:txBody>
+          <a:bodyPr wrap="square" rtlCol="0">
+            <a:spAutoFit/>
+          </a:bodyPr>
+          <a:lstStyle/>
+          <a:p>
+            <a:r>
+              <a:rPr lang="en-US" dirty="0"/>
+              <a:t>Being a good resident, s/he decided to sleep through the pager… Their Attending decided to use the nuclear option</a:t>
+            </a:r>
+          </a:p>
+        </p:txBody>
+      </p:sp>
+    </p:spTree>
+    <p:extLst>
+      <p:ext uri="{BB962C8B-B14F-4D97-AF65-F5344CB8AC3E}">
+        <p14:creationId xmlns:p14="http://schemas.microsoft.com/office/powerpoint/2010/main" val="4192180721"/>
+      </p:ext>
+    </p:extLst>
+  </p:cSld>
+  <p:clrMapOvr>
+    <a:masterClrMapping/>
+  </p:clrMapOvr>
+</p:sld>
+</file>
+
+<file path=ppt/slides/slide4.xml><?xml version="1.0" encoding="utf-8"?>
+<p:sld xmlns:a="http://schemas.openxmlformats.org/drawingml/2006/main" xmlns:r="http://schemas.openxmlformats.org/officeDocument/2006/relationships" xmlns:p="http://schemas.openxmlformats.org/presentationml/2006/main">
+  <p:cSld>
+    <p:spTree>
+      <p:nvGrpSpPr>
+        <p:cNvPr id="1" name=""/>
+        <p:cNvGrpSpPr/>
+        <p:nvPr/>
+      </p:nvGrpSpPr>
+      <p:grpSpPr>
+        <a:xfrm>
+          <a:off x="0" y="0"/>
+          <a:ext cx="0" cy="0"/>
+          <a:chOff x="0" y="0"/>
+          <a:chExt cx="0" cy="0"/>
+        </a:xfrm>
+      </p:grpSpPr>
+      <p:sp>
+        <p:nvSpPr>
+          <p:cNvPr id="2" name="Title 1">
+            <a:extLst>
+              <a:ext uri="{FF2B5EF4-FFF2-40B4-BE49-F238E27FC236}">
+                <a16:creationId xmlns:a16="http://schemas.microsoft.com/office/drawing/2014/main" id="{9F2CFB14-41F2-F0F0-8EF3-6107E370B588}"/>
+              </a:ext>
+            </a:extLst>
+          </p:cNvPr>
+          <p:cNvSpPr>
+            <a:spLocks noGrp="1"/>
+          </p:cNvSpPr>
+          <p:nvPr>
+            <p:ph type="title"/>
+          </p:nvPr>
+        </p:nvSpPr>
+        <p:spPr/>
+        <p:txBody>
+          <a:bodyPr/>
+          <a:lstStyle/>
+          <a:p>
+            <a:r>
+              <a:rPr lang="en-US" dirty="0"/>
+              <a:t>What do we need to get to this System</a:t>
+            </a:r>
+          </a:p>
+        </p:txBody>
+      </p:sp>
+      <p:sp>
+        <p:nvSpPr>
+          <p:cNvPr id="4" name="Rectangle 3">
+            <a:extLst>
+              <a:ext uri="{FF2B5EF4-FFF2-40B4-BE49-F238E27FC236}">
+                <a16:creationId xmlns:a16="http://schemas.microsoft.com/office/drawing/2014/main" id="{8979DFCD-9634-FEA9-411C-0C15D310F3BA}"/>
+              </a:ext>
+            </a:extLst>
+          </p:cNvPr>
+          <p:cNvSpPr/>
+          <p:nvPr/>
+        </p:nvSpPr>
+        <p:spPr>
+          <a:xfrm>
+            <a:off x="5129917" y="2673626"/>
+            <a:ext cx="1932166" cy="755374"/>
+          </a:xfrm>
+          <a:prstGeom prst="rect">
+            <a:avLst/>
+          </a:prstGeom>
+        </p:spPr>
+        <p:style>
+          <a:lnRef idx="2">
+            <a:schemeClr val="accent1">
+              <a:shade val="50000"/>
+            </a:schemeClr>
+          </a:lnRef>
+          <a:fillRef idx="1">
+            <a:schemeClr val="accent1"/>
+          </a:fillRef>
+          <a:effectRef idx="0">
+            <a:schemeClr val="accent1"/>
+          </a:effectRef>
+          <a:fontRef idx="minor">
+            <a:schemeClr val="lt1"/>
+          </a:fontRef>
+        </p:style>
+        <p:txBody>
+          <a:bodyPr rtlCol="0" anchor="ctr"/>
+          <a:lstStyle/>
+          <a:p>
+            <a:pPr algn="ctr"/>
+            <a:r>
+              <a:rPr lang="en-US" dirty="0"/>
+              <a:t>Medical System Cruelty</a:t>
+            </a:r>
+          </a:p>
+        </p:txBody>
+      </p:sp>
+      <p:sp>
+        <p:nvSpPr>
+          <p:cNvPr id="5" name="Rectangle 4">
+            <a:extLst>
+              <a:ext uri="{FF2B5EF4-FFF2-40B4-BE49-F238E27FC236}">
+                <a16:creationId xmlns:a16="http://schemas.microsoft.com/office/drawing/2014/main" id="{CCE085E9-4371-C904-BFC5-E5408C2ADB6A}"/>
+              </a:ext>
+            </a:extLst>
+          </p:cNvPr>
+          <p:cNvSpPr/>
+          <p:nvPr/>
+        </p:nvSpPr>
+        <p:spPr>
+          <a:xfrm>
+            <a:off x="1286454" y="4257923"/>
+            <a:ext cx="1880484" cy="830912"/>
+          </a:xfrm>
+          <a:prstGeom prst="rect">
+            <a:avLst/>
+          </a:prstGeom>
+        </p:spPr>
+        <p:style>
+          <a:lnRef idx="2">
+            <a:schemeClr val="accent1">
+              <a:shade val="50000"/>
+            </a:schemeClr>
+          </a:lnRef>
+          <a:fillRef idx="1">
+            <a:schemeClr val="accent1"/>
+          </a:fillRef>
+          <a:effectRef idx="0">
+            <a:schemeClr val="accent1"/>
+          </a:effectRef>
+          <a:fontRef idx="minor">
+            <a:schemeClr val="lt1"/>
+          </a:fontRef>
+        </p:style>
+        <p:txBody>
+          <a:bodyPr rtlCol="0" anchor="ctr"/>
+          <a:lstStyle/>
+          <a:p>
+            <a:pPr algn="ctr"/>
+            <a:r>
+              <a:rPr lang="en-US" dirty="0"/>
+              <a:t>Resident’s Pager</a:t>
+            </a:r>
+          </a:p>
+        </p:txBody>
+      </p:sp>
+      <p:sp>
+        <p:nvSpPr>
+          <p:cNvPr id="6" name="Rectangle 5">
+            <a:extLst>
+              <a:ext uri="{FF2B5EF4-FFF2-40B4-BE49-F238E27FC236}">
+                <a16:creationId xmlns:a16="http://schemas.microsoft.com/office/drawing/2014/main" id="{0AC92DE6-2959-D6FF-D2F8-30693A7882C0}"/>
+              </a:ext>
+            </a:extLst>
+          </p:cNvPr>
+          <p:cNvSpPr/>
+          <p:nvPr/>
+        </p:nvSpPr>
+        <p:spPr>
+          <a:xfrm>
+            <a:off x="9133398" y="4257923"/>
+            <a:ext cx="1880484" cy="830912"/>
+          </a:xfrm>
+          <a:prstGeom prst="rect">
+            <a:avLst/>
+          </a:prstGeom>
+        </p:spPr>
+        <p:style>
+          <a:lnRef idx="2">
+            <a:schemeClr val="accent1">
+              <a:shade val="50000"/>
+            </a:schemeClr>
+          </a:lnRef>
+          <a:fillRef idx="1">
+            <a:schemeClr val="accent1"/>
+          </a:fillRef>
+          <a:effectRef idx="0">
+            <a:schemeClr val="accent1"/>
+          </a:effectRef>
+          <a:fontRef idx="minor">
+            <a:schemeClr val="lt1"/>
+          </a:fontRef>
+        </p:style>
+        <p:txBody>
+          <a:bodyPr rtlCol="0" anchor="ctr"/>
+          <a:lstStyle/>
+          <a:p>
+            <a:pPr algn="ctr"/>
+            <a:r>
+              <a:rPr lang="en-US" dirty="0"/>
+              <a:t>Email</a:t>
+            </a:r>
+          </a:p>
+        </p:txBody>
+      </p:sp>
+      <p:sp>
+        <p:nvSpPr>
+          <p:cNvPr id="7" name="Rectangle 6">
+            <a:extLst>
+              <a:ext uri="{FF2B5EF4-FFF2-40B4-BE49-F238E27FC236}">
+                <a16:creationId xmlns:a16="http://schemas.microsoft.com/office/drawing/2014/main" id="{09FAF34D-CD95-0CE8-2068-5FF351333722}"/>
+              </a:ext>
+            </a:extLst>
+          </p:cNvPr>
+          <p:cNvSpPr/>
+          <p:nvPr/>
+        </p:nvSpPr>
+        <p:spPr>
+          <a:xfrm>
+            <a:off x="5155758" y="4257923"/>
+            <a:ext cx="1880484" cy="830912"/>
+          </a:xfrm>
+          <a:prstGeom prst="rect">
+            <a:avLst/>
+          </a:prstGeom>
+        </p:spPr>
+        <p:style>
+          <a:lnRef idx="2">
+            <a:schemeClr val="accent1">
+              <a:shade val="50000"/>
+            </a:schemeClr>
+          </a:lnRef>
+          <a:fillRef idx="1">
+            <a:schemeClr val="accent1"/>
+          </a:fillRef>
+          <a:effectRef idx="0">
+            <a:schemeClr val="accent1"/>
+          </a:effectRef>
+          <a:fontRef idx="minor">
+            <a:schemeClr val="lt1"/>
+          </a:fontRef>
+        </p:style>
+        <p:txBody>
+          <a:bodyPr rtlCol="0" anchor="ctr"/>
+          <a:lstStyle/>
+          <a:p>
+            <a:pPr algn="ctr"/>
+            <a:r>
+              <a:rPr lang="en-US" dirty="0"/>
+              <a:t>Resident’s Cell Phone</a:t>
+            </a:r>
+          </a:p>
+        </p:txBody>
+      </p:sp>
+      <p:cxnSp>
+        <p:nvCxnSpPr>
+          <p:cNvPr id="3" name="Straight Arrow Connector 2">
+            <a:extLst>
+              <a:ext uri="{FF2B5EF4-FFF2-40B4-BE49-F238E27FC236}">
+                <a16:creationId xmlns:a16="http://schemas.microsoft.com/office/drawing/2014/main" id="{45DAD51A-8D64-6CE1-31DF-8696EC06E57D}"/>
+              </a:ext>
+            </a:extLst>
+          </p:cNvPr>
+          <p:cNvCxnSpPr>
+            <a:cxnSpLocks/>
+            <a:endCxn id="5" idx="0"/>
+          </p:cNvCxnSpPr>
+          <p:nvPr/>
+        </p:nvCxnSpPr>
+        <p:spPr>
+          <a:xfrm flipH="1">
+            <a:off x="2226696" y="3429000"/>
+            <a:ext cx="3869304" cy="828923"/>
+          </a:xfrm>
+          <a:prstGeom prst="straightConnector1">
+            <a:avLst/>
+          </a:prstGeom>
+          <a:ln>
+            <a:tailEnd type="triangle"/>
+          </a:ln>
+        </p:spPr>
+        <p:style>
+          <a:lnRef idx="1">
+            <a:schemeClr val="accent1"/>
+          </a:lnRef>
+          <a:fillRef idx="0">
+            <a:schemeClr val="accent1"/>
+          </a:fillRef>
+          <a:effectRef idx="0">
+            <a:schemeClr val="accent1"/>
+          </a:effectRef>
+          <a:fontRef idx="minor">
+            <a:schemeClr val="tx1"/>
+          </a:fontRef>
+        </p:style>
+      </p:cxnSp>
+      <p:cxnSp>
+        <p:nvCxnSpPr>
+          <p:cNvPr id="9" name="Straight Arrow Connector 8">
+            <a:extLst>
+              <a:ext uri="{FF2B5EF4-FFF2-40B4-BE49-F238E27FC236}">
+                <a16:creationId xmlns:a16="http://schemas.microsoft.com/office/drawing/2014/main" id="{5DF89F83-BA51-1AC8-4BAB-8C30A6C41E84}"/>
+              </a:ext>
+            </a:extLst>
+          </p:cNvPr>
+          <p:cNvCxnSpPr>
+            <a:cxnSpLocks/>
+            <a:endCxn id="7" idx="0"/>
+          </p:cNvCxnSpPr>
+          <p:nvPr/>
+        </p:nvCxnSpPr>
+        <p:spPr>
+          <a:xfrm>
+            <a:off x="6096000" y="3267986"/>
+            <a:ext cx="0" cy="989937"/>
+          </a:xfrm>
+          <a:prstGeom prst="straightConnector1">
+            <a:avLst/>
+          </a:prstGeom>
+          <a:ln>
+            <a:tailEnd type="triangle"/>
+          </a:ln>
+        </p:spPr>
+        <p:style>
+          <a:lnRef idx="1">
+            <a:schemeClr val="accent1"/>
+          </a:lnRef>
+          <a:fillRef idx="0">
+            <a:schemeClr val="accent1"/>
+          </a:fillRef>
+          <a:effectRef idx="0">
+            <a:schemeClr val="accent1"/>
+          </a:effectRef>
+          <a:fontRef idx="minor">
+            <a:schemeClr val="tx1"/>
+          </a:fontRef>
+        </p:style>
+      </p:cxnSp>
+      <p:cxnSp>
+        <p:nvCxnSpPr>
+          <p:cNvPr id="13" name="Straight Arrow Connector 12">
+            <a:extLst>
+              <a:ext uri="{FF2B5EF4-FFF2-40B4-BE49-F238E27FC236}">
+                <a16:creationId xmlns:a16="http://schemas.microsoft.com/office/drawing/2014/main" id="{3657D183-9F9C-29B7-2DCA-8581038AEF31}"/>
+              </a:ext>
+            </a:extLst>
+          </p:cNvPr>
+          <p:cNvCxnSpPr>
+            <a:cxnSpLocks/>
+            <a:stCxn id="4" idx="2"/>
+            <a:endCxn id="6" idx="0"/>
+          </p:cNvCxnSpPr>
+          <p:nvPr/>
+        </p:nvCxnSpPr>
+        <p:spPr>
+          <a:xfrm>
+            <a:off x="6096000" y="3429000"/>
+            <a:ext cx="3977640" cy="828923"/>
+          </a:xfrm>
+          <a:prstGeom prst="straightConnector1">
+            <a:avLst/>
+          </a:prstGeom>
+          <a:ln>
+            <a:tailEnd type="triangle"/>
+          </a:ln>
+        </p:spPr>
+        <p:style>
+          <a:lnRef idx="1">
+            <a:schemeClr val="accent1"/>
+          </a:lnRef>
+          <a:fillRef idx="0">
+            <a:schemeClr val="accent1"/>
+          </a:fillRef>
+          <a:effectRef idx="0">
+            <a:schemeClr val="accent1"/>
+          </a:effectRef>
+          <a:fontRef idx="minor">
+            <a:schemeClr val="tx1"/>
+          </a:fontRef>
+        </p:style>
+      </p:cxnSp>
+    </p:spTree>
+    <p:extLst>
+      <p:ext uri="{BB962C8B-B14F-4D97-AF65-F5344CB8AC3E}">
+        <p14:creationId xmlns:p14="http://schemas.microsoft.com/office/powerpoint/2010/main" val="2829408292"/>
+      </p:ext>
+    </p:extLst>
+  </p:cSld>
+  <p:clrMapOvr>
+    <a:masterClrMapping/>
+  </p:clrMapOvr>
+</p:sld>
+</file>
+
+<file path=ppt/slides/slide5.xml><?xml version="1.0" encoding="utf-8"?>
+<p:sld xmlns:a="http://schemas.openxmlformats.org/drawingml/2006/main" xmlns:r="http://schemas.openxmlformats.org/officeDocument/2006/relationships" xmlns:p="http://schemas.openxmlformats.org/presentationml/2006/main">
+  <p:cSld>
+    <p:spTree>
+      <p:nvGrpSpPr>
+        <p:cNvPr id="1" name=""/>
+        <p:cNvGrpSpPr/>
+        <p:nvPr/>
+      </p:nvGrpSpPr>
+      <p:grpSpPr>
+        <a:xfrm>
+          <a:off x="0" y="0"/>
+          <a:ext cx="0" cy="0"/>
+          <a:chOff x="0" y="0"/>
+          <a:chExt cx="0" cy="0"/>
+        </a:xfrm>
+      </p:grpSpPr>
+      <p:sp>
+        <p:nvSpPr>
+          <p:cNvPr id="2" name="Title 1">
+            <a:extLst>
+              <a:ext uri="{FF2B5EF4-FFF2-40B4-BE49-F238E27FC236}">
+                <a16:creationId xmlns:a16="http://schemas.microsoft.com/office/drawing/2014/main" id="{9F2CFB14-41F2-F0F0-8EF3-6107E370B588}"/>
+              </a:ext>
+            </a:extLst>
+          </p:cNvPr>
+          <p:cNvSpPr>
+            <a:spLocks noGrp="1"/>
+          </p:cNvSpPr>
+          <p:nvPr>
+            <p:ph type="title"/>
+          </p:nvPr>
+        </p:nvSpPr>
+        <p:spPr/>
+        <p:txBody>
+          <a:bodyPr/>
+          <a:lstStyle/>
+          <a:p>
+            <a:r>
+              <a:rPr lang="en-US" dirty="0"/>
+              <a:t>What do we need to get to this System</a:t>
+            </a:r>
+          </a:p>
+        </p:txBody>
+      </p:sp>
+      <p:sp>
+        <p:nvSpPr>
+          <p:cNvPr id="4" name="Rectangle 3">
+            <a:extLst>
+              <a:ext uri="{FF2B5EF4-FFF2-40B4-BE49-F238E27FC236}">
+                <a16:creationId xmlns:a16="http://schemas.microsoft.com/office/drawing/2014/main" id="{8979DFCD-9634-FEA9-411C-0C15D310F3BA}"/>
+              </a:ext>
+            </a:extLst>
+          </p:cNvPr>
+          <p:cNvSpPr/>
+          <p:nvPr/>
+        </p:nvSpPr>
+        <p:spPr>
+          <a:xfrm>
+            <a:off x="5129917" y="2673626"/>
+            <a:ext cx="1932166" cy="755374"/>
+          </a:xfrm>
+          <a:prstGeom prst="rect">
+            <a:avLst/>
+          </a:prstGeom>
+        </p:spPr>
+        <p:style>
+          <a:lnRef idx="2">
+            <a:schemeClr val="accent1">
+              <a:shade val="50000"/>
+            </a:schemeClr>
+          </a:lnRef>
+          <a:fillRef idx="1">
+            <a:schemeClr val="accent1"/>
+          </a:fillRef>
+          <a:effectRef idx="0">
+            <a:schemeClr val="accent1"/>
+          </a:effectRef>
+          <a:fontRef idx="minor">
+            <a:schemeClr val="lt1"/>
+          </a:fontRef>
+        </p:style>
+        <p:txBody>
+          <a:bodyPr rtlCol="0" anchor="ctr"/>
+          <a:lstStyle/>
+          <a:p>
+            <a:pPr algn="ctr"/>
+            <a:r>
+              <a:rPr lang="en-US" dirty="0"/>
+              <a:t>Medical System Cruelty</a:t>
+            </a:r>
+          </a:p>
+        </p:txBody>
+      </p:sp>
+      <p:sp>
+        <p:nvSpPr>
+          <p:cNvPr id="5" name="Rectangle 4">
+            <a:extLst>
+              <a:ext uri="{FF2B5EF4-FFF2-40B4-BE49-F238E27FC236}">
+                <a16:creationId xmlns:a16="http://schemas.microsoft.com/office/drawing/2014/main" id="{CCE085E9-4371-C904-BFC5-E5408C2ADB6A}"/>
+              </a:ext>
+            </a:extLst>
+          </p:cNvPr>
+          <p:cNvSpPr/>
+          <p:nvPr/>
+        </p:nvSpPr>
+        <p:spPr>
+          <a:xfrm>
+            <a:off x="1286454" y="4257923"/>
+            <a:ext cx="1880484" cy="830912"/>
+          </a:xfrm>
+          <a:prstGeom prst="rect">
+            <a:avLst/>
+          </a:prstGeom>
+        </p:spPr>
+        <p:style>
+          <a:lnRef idx="2">
+            <a:schemeClr val="accent1">
+              <a:shade val="50000"/>
+            </a:schemeClr>
+          </a:lnRef>
+          <a:fillRef idx="1">
+            <a:schemeClr val="accent1"/>
+          </a:fillRef>
+          <a:effectRef idx="0">
+            <a:schemeClr val="accent1"/>
+          </a:effectRef>
+          <a:fontRef idx="minor">
+            <a:schemeClr val="lt1"/>
+          </a:fontRef>
+        </p:style>
+        <p:txBody>
+          <a:bodyPr rtlCol="0" anchor="ctr"/>
+          <a:lstStyle/>
+          <a:p>
+            <a:pPr algn="ctr"/>
+            <a:r>
+              <a:rPr lang="en-US" dirty="0"/>
+              <a:t>Resident’s Pager</a:t>
+            </a:r>
+          </a:p>
+        </p:txBody>
+      </p:sp>
+      <p:sp>
+        <p:nvSpPr>
+          <p:cNvPr id="6" name="Rectangle 5">
+            <a:extLst>
+              <a:ext uri="{FF2B5EF4-FFF2-40B4-BE49-F238E27FC236}">
+                <a16:creationId xmlns:a16="http://schemas.microsoft.com/office/drawing/2014/main" id="{0AC92DE6-2959-D6FF-D2F8-30693A7882C0}"/>
+              </a:ext>
+            </a:extLst>
+          </p:cNvPr>
+          <p:cNvSpPr/>
+          <p:nvPr/>
+        </p:nvSpPr>
+        <p:spPr>
+          <a:xfrm>
+            <a:off x="9133398" y="4257923"/>
+            <a:ext cx="1880484" cy="830912"/>
+          </a:xfrm>
+          <a:prstGeom prst="rect">
+            <a:avLst/>
+          </a:prstGeom>
+        </p:spPr>
+        <p:style>
+          <a:lnRef idx="2">
+            <a:schemeClr val="accent1">
+              <a:shade val="50000"/>
+            </a:schemeClr>
+          </a:lnRef>
+          <a:fillRef idx="1">
+            <a:schemeClr val="accent1"/>
+          </a:fillRef>
+          <a:effectRef idx="0">
+            <a:schemeClr val="accent1"/>
+          </a:effectRef>
+          <a:fontRef idx="minor">
+            <a:schemeClr val="lt1"/>
+          </a:fontRef>
+        </p:style>
+        <p:txBody>
+          <a:bodyPr rtlCol="0" anchor="ctr"/>
+          <a:lstStyle/>
+          <a:p>
+            <a:pPr algn="ctr"/>
+            <a:r>
+              <a:rPr lang="en-US" dirty="0"/>
+              <a:t>Email</a:t>
+            </a:r>
+          </a:p>
+        </p:txBody>
+      </p:sp>
+      <p:sp>
+        <p:nvSpPr>
+          <p:cNvPr id="7" name="Rectangle 6">
+            <a:extLst>
+              <a:ext uri="{FF2B5EF4-FFF2-40B4-BE49-F238E27FC236}">
+                <a16:creationId xmlns:a16="http://schemas.microsoft.com/office/drawing/2014/main" id="{09FAF34D-CD95-0CE8-2068-5FF351333722}"/>
+              </a:ext>
+            </a:extLst>
+          </p:cNvPr>
+          <p:cNvSpPr/>
+          <p:nvPr/>
+        </p:nvSpPr>
+        <p:spPr>
+          <a:xfrm>
+            <a:off x="5155758" y="4257923"/>
+            <a:ext cx="1880484" cy="830912"/>
+          </a:xfrm>
+          <a:prstGeom prst="rect">
+            <a:avLst/>
+          </a:prstGeom>
+        </p:spPr>
+        <p:style>
+          <a:lnRef idx="2">
+            <a:schemeClr val="accent1">
+              <a:shade val="50000"/>
+            </a:schemeClr>
+          </a:lnRef>
+          <a:fillRef idx="1">
+            <a:schemeClr val="accent1"/>
+          </a:fillRef>
+          <a:effectRef idx="0">
+            <a:schemeClr val="accent1"/>
+          </a:effectRef>
+          <a:fontRef idx="minor">
+            <a:schemeClr val="lt1"/>
+          </a:fontRef>
+        </p:style>
+        <p:txBody>
+          <a:bodyPr rtlCol="0" anchor="ctr"/>
+          <a:lstStyle/>
+          <a:p>
+            <a:pPr algn="ctr"/>
+            <a:r>
+              <a:rPr lang="en-US" dirty="0"/>
+              <a:t>Resident’s Cell Phone</a:t>
+            </a:r>
+          </a:p>
+        </p:txBody>
+      </p:sp>
+      <p:cxnSp>
+        <p:nvCxnSpPr>
+          <p:cNvPr id="3" name="Straight Arrow Connector 2">
+            <a:extLst>
+              <a:ext uri="{FF2B5EF4-FFF2-40B4-BE49-F238E27FC236}">
+                <a16:creationId xmlns:a16="http://schemas.microsoft.com/office/drawing/2014/main" id="{45DAD51A-8D64-6CE1-31DF-8696EC06E57D}"/>
+              </a:ext>
+            </a:extLst>
+          </p:cNvPr>
+          <p:cNvCxnSpPr>
+            <a:cxnSpLocks/>
+            <a:endCxn id="5" idx="0"/>
+          </p:cNvCxnSpPr>
+          <p:nvPr/>
+        </p:nvCxnSpPr>
+        <p:spPr>
+          <a:xfrm flipH="1">
+            <a:off x="2226696" y="3429000"/>
+            <a:ext cx="3869304" cy="828923"/>
+          </a:xfrm>
+          <a:prstGeom prst="straightConnector1">
+            <a:avLst/>
+          </a:prstGeom>
+          <a:ln>
+            <a:tailEnd type="triangle"/>
+          </a:ln>
+        </p:spPr>
+        <p:style>
+          <a:lnRef idx="1">
+            <a:schemeClr val="accent1"/>
+          </a:lnRef>
+          <a:fillRef idx="0">
+            <a:schemeClr val="accent1"/>
+          </a:fillRef>
+          <a:effectRef idx="0">
+            <a:schemeClr val="accent1"/>
+          </a:effectRef>
+          <a:fontRef idx="minor">
+            <a:schemeClr val="tx1"/>
+          </a:fontRef>
+        </p:style>
+      </p:cxnSp>
+      <p:cxnSp>
+        <p:nvCxnSpPr>
+          <p:cNvPr id="9" name="Straight Arrow Connector 8">
+            <a:extLst>
+              <a:ext uri="{FF2B5EF4-FFF2-40B4-BE49-F238E27FC236}">
+                <a16:creationId xmlns:a16="http://schemas.microsoft.com/office/drawing/2014/main" id="{5DF89F83-BA51-1AC8-4BAB-8C30A6C41E84}"/>
+              </a:ext>
+            </a:extLst>
+          </p:cNvPr>
+          <p:cNvCxnSpPr>
+            <a:cxnSpLocks/>
+            <a:endCxn id="7" idx="0"/>
+          </p:cNvCxnSpPr>
+          <p:nvPr/>
+        </p:nvCxnSpPr>
+        <p:spPr>
+          <a:xfrm>
+            <a:off x="6096000" y="3267986"/>
+            <a:ext cx="0" cy="989937"/>
+          </a:xfrm>
+          <a:prstGeom prst="straightConnector1">
+            <a:avLst/>
+          </a:prstGeom>
+          <a:ln>
+            <a:tailEnd type="triangle"/>
+          </a:ln>
+        </p:spPr>
+        <p:style>
+          <a:lnRef idx="1">
+            <a:schemeClr val="accent1"/>
+          </a:lnRef>
+          <a:fillRef idx="0">
+            <a:schemeClr val="accent1"/>
+          </a:fillRef>
+          <a:effectRef idx="0">
+            <a:schemeClr val="accent1"/>
+          </a:effectRef>
+          <a:fontRef idx="minor">
+            <a:schemeClr val="tx1"/>
+          </a:fontRef>
+        </p:style>
+      </p:cxnSp>
+      <p:cxnSp>
+        <p:nvCxnSpPr>
+          <p:cNvPr id="13" name="Straight Arrow Connector 12">
+            <a:extLst>
+              <a:ext uri="{FF2B5EF4-FFF2-40B4-BE49-F238E27FC236}">
+                <a16:creationId xmlns:a16="http://schemas.microsoft.com/office/drawing/2014/main" id="{3657D183-9F9C-29B7-2DCA-8581038AEF31}"/>
+              </a:ext>
+            </a:extLst>
+          </p:cNvPr>
+          <p:cNvCxnSpPr>
+            <a:cxnSpLocks/>
+            <a:stCxn id="4" idx="2"/>
+            <a:endCxn id="6" idx="0"/>
+          </p:cNvCxnSpPr>
+          <p:nvPr/>
+        </p:nvCxnSpPr>
+        <p:spPr>
+          <a:xfrm>
+            <a:off x="6096000" y="3429000"/>
+            <a:ext cx="3977640" cy="828923"/>
+          </a:xfrm>
+          <a:prstGeom prst="straightConnector1">
+            <a:avLst/>
+          </a:prstGeom>
+          <a:ln>
+            <a:tailEnd type="triangle"/>
+          </a:ln>
+        </p:spPr>
+        <p:style>
+          <a:lnRef idx="1">
+            <a:schemeClr val="accent1"/>
+          </a:lnRef>
+          <a:fillRef idx="0">
+            <a:schemeClr val="accent1"/>
+          </a:fillRef>
+          <a:effectRef idx="0">
+            <a:schemeClr val="accent1"/>
+          </a:effectRef>
+          <a:fontRef idx="minor">
+            <a:schemeClr val="tx1"/>
+          </a:fontRef>
+        </p:style>
+      </p:cxnSp>
+      <p:cxnSp>
+        <p:nvCxnSpPr>
+          <p:cNvPr id="8" name="Straight Arrow Connector 7">
+            <a:extLst>
+              <a:ext uri="{FF2B5EF4-FFF2-40B4-BE49-F238E27FC236}">
+                <a16:creationId xmlns:a16="http://schemas.microsoft.com/office/drawing/2014/main" id="{355A42A0-FC58-E0EF-EA11-798292CE1D3B}"/>
+              </a:ext>
+            </a:extLst>
+          </p:cNvPr>
+          <p:cNvCxnSpPr>
+            <a:cxnSpLocks/>
+            <a:stCxn id="5" idx="3"/>
+            <a:endCxn id="4" idx="1"/>
+          </p:cNvCxnSpPr>
+          <p:nvPr/>
+        </p:nvCxnSpPr>
+        <p:spPr>
+          <a:xfrm flipV="1">
+            <a:off x="3166938" y="3051313"/>
+            <a:ext cx="1962979" cy="1622066"/>
+          </a:xfrm>
+          <a:prstGeom prst="straightConnector1">
+            <a:avLst/>
+          </a:prstGeom>
+          <a:ln>
+            <a:tailEnd type="triangle"/>
+          </a:ln>
+        </p:spPr>
+        <p:style>
+          <a:lnRef idx="3">
+            <a:schemeClr val="accent2"/>
+          </a:lnRef>
+          <a:fillRef idx="0">
+            <a:schemeClr val="accent2"/>
+          </a:fillRef>
+          <a:effectRef idx="2">
+            <a:schemeClr val="accent2"/>
+          </a:effectRef>
+          <a:fontRef idx="minor">
+            <a:schemeClr val="tx1"/>
+          </a:fontRef>
+        </p:style>
+      </p:cxnSp>
+      <p:cxnSp>
+        <p:nvCxnSpPr>
+          <p:cNvPr id="14" name="Straight Arrow Connector 13">
+            <a:extLst>
+              <a:ext uri="{FF2B5EF4-FFF2-40B4-BE49-F238E27FC236}">
+                <a16:creationId xmlns:a16="http://schemas.microsoft.com/office/drawing/2014/main" id="{DAEFF9D4-01FF-F452-4ED3-A3318709E08B}"/>
+              </a:ext>
+            </a:extLst>
+          </p:cNvPr>
+          <p:cNvCxnSpPr>
+            <a:cxnSpLocks/>
+            <a:stCxn id="7" idx="1"/>
+            <a:endCxn id="4" idx="1"/>
+          </p:cNvCxnSpPr>
+          <p:nvPr/>
+        </p:nvCxnSpPr>
+        <p:spPr>
+          <a:xfrm flipH="1" flipV="1">
+            <a:off x="5129917" y="3051313"/>
+            <a:ext cx="25841" cy="1622066"/>
+          </a:xfrm>
+          <a:prstGeom prst="straightConnector1">
+            <a:avLst/>
+          </a:prstGeom>
+          <a:ln>
+            <a:tailEnd type="triangle"/>
+          </a:ln>
+        </p:spPr>
+        <p:style>
+          <a:lnRef idx="3">
+            <a:schemeClr val="accent2"/>
+          </a:lnRef>
+          <a:fillRef idx="0">
+            <a:schemeClr val="accent2"/>
+          </a:fillRef>
+          <a:effectRef idx="2">
+            <a:schemeClr val="accent2"/>
+          </a:effectRef>
+          <a:fontRef idx="minor">
+            <a:schemeClr val="tx1"/>
+          </a:fontRef>
+        </p:style>
+      </p:cxnSp>
+      <p:cxnSp>
+        <p:nvCxnSpPr>
+          <p:cNvPr id="18" name="Straight Arrow Connector 17">
+            <a:extLst>
+              <a:ext uri="{FF2B5EF4-FFF2-40B4-BE49-F238E27FC236}">
+                <a16:creationId xmlns:a16="http://schemas.microsoft.com/office/drawing/2014/main" id="{27CCE3EC-1B0A-0CCA-FDB8-2E90A688DA94}"/>
+              </a:ext>
+            </a:extLst>
+          </p:cNvPr>
+          <p:cNvCxnSpPr>
+            <a:cxnSpLocks/>
+            <a:stCxn id="6" idx="1"/>
+            <a:endCxn id="4" idx="3"/>
+          </p:cNvCxnSpPr>
+          <p:nvPr/>
+        </p:nvCxnSpPr>
+        <p:spPr>
+          <a:xfrm flipH="1" flipV="1">
+            <a:off x="7062083" y="3051313"/>
+            <a:ext cx="2071315" cy="1622066"/>
+          </a:xfrm>
+          <a:prstGeom prst="straightConnector1">
+            <a:avLst/>
+          </a:prstGeom>
+          <a:ln>
+            <a:tailEnd type="triangle"/>
+          </a:ln>
+        </p:spPr>
+        <p:style>
+          <a:lnRef idx="3">
+            <a:schemeClr val="accent2"/>
+          </a:lnRef>
+          <a:fillRef idx="0">
+            <a:schemeClr val="accent2"/>
+          </a:fillRef>
+          <a:effectRef idx="2">
+            <a:schemeClr val="accent2"/>
+          </a:effectRef>
+          <a:fontRef idx="minor">
+            <a:schemeClr val="tx1"/>
+          </a:fontRef>
+        </p:style>
+      </p:cxnSp>
+      <p:sp>
+        <p:nvSpPr>
+          <p:cNvPr id="21" name="Rectangle 20">
+            <a:extLst>
+              <a:ext uri="{FF2B5EF4-FFF2-40B4-BE49-F238E27FC236}">
+                <a16:creationId xmlns:a16="http://schemas.microsoft.com/office/drawing/2014/main" id="{0589906B-3B8F-ABB8-0773-A99D27538858}"/>
+              </a:ext>
+            </a:extLst>
+          </p:cNvPr>
+          <p:cNvSpPr/>
+          <p:nvPr/>
+        </p:nvSpPr>
+        <p:spPr>
+          <a:xfrm>
+            <a:off x="2123661" y="2822712"/>
+            <a:ext cx="1880484" cy="830912"/>
+          </a:xfrm>
+          <a:prstGeom prst="rect">
+            <a:avLst/>
+          </a:prstGeom>
+          <a:noFill/>
+          <a:ln>
+            <a:noFill/>
+          </a:ln>
+        </p:spPr>
+        <p:style>
+          <a:lnRef idx="0">
+            <a:scrgbClr r="0" g="0" b="0"/>
+          </a:lnRef>
+          <a:fillRef idx="0">
+            <a:scrgbClr r="0" g="0" b="0"/>
+          </a:fillRef>
+          <a:effectRef idx="0">
+            <a:scrgbClr r="0" g="0" b="0"/>
+          </a:effectRef>
+          <a:fontRef idx="minor">
+            <a:schemeClr val="accent4"/>
+          </a:fontRef>
+        </p:style>
+        <p:txBody>
+          <a:bodyPr rtlCol="0" anchor="ctr"/>
+          <a:lstStyle/>
+          <a:p>
+            <a:pPr algn="ctr"/>
+            <a:r>
+              <a:rPr lang="en-US" dirty="0"/>
+              <a:t>Can the messages be different?</a:t>
+            </a:r>
+          </a:p>
+        </p:txBody>
+      </p:sp>
+      <p:sp>
+        <p:nvSpPr>
+          <p:cNvPr id="22" name="Rectangle 21">
+            <a:extLst>
+              <a:ext uri="{FF2B5EF4-FFF2-40B4-BE49-F238E27FC236}">
+                <a16:creationId xmlns:a16="http://schemas.microsoft.com/office/drawing/2014/main" id="{73CB758F-87D1-52D9-3B1A-6B93BA528A96}"/>
+              </a:ext>
+            </a:extLst>
+          </p:cNvPr>
+          <p:cNvSpPr/>
+          <p:nvPr/>
+        </p:nvSpPr>
+        <p:spPr>
+          <a:xfrm>
+            <a:off x="7396701" y="1766701"/>
+            <a:ext cx="1880484" cy="830912"/>
+          </a:xfrm>
+          <a:prstGeom prst="rect">
+            <a:avLst/>
+          </a:prstGeom>
+          <a:noFill/>
+          <a:ln>
+            <a:noFill/>
+          </a:ln>
+        </p:spPr>
+        <p:style>
+          <a:lnRef idx="0">
+            <a:scrgbClr r="0" g="0" b="0"/>
+          </a:lnRef>
+          <a:fillRef idx="0">
+            <a:scrgbClr r="0" g="0" b="0"/>
+          </a:fillRef>
+          <a:effectRef idx="0">
+            <a:scrgbClr r="0" g="0" b="0"/>
+          </a:effectRef>
+          <a:fontRef idx="minor">
+            <a:schemeClr val="accent4"/>
+          </a:fontRef>
+        </p:style>
+        <p:txBody>
+          <a:bodyPr rtlCol="0" anchor="ctr"/>
+          <a:lstStyle/>
+          <a:p>
+            <a:pPr algn="ctr"/>
+            <a:r>
+              <a:rPr lang="en-US" dirty="0"/>
+              <a:t>How do we keep track of who to notify?</a:t>
+            </a:r>
+          </a:p>
+        </p:txBody>
+      </p:sp>
+      <p:sp>
+        <p:nvSpPr>
+          <p:cNvPr id="24" name="Rectangle 23">
+            <a:extLst>
+              <a:ext uri="{FF2B5EF4-FFF2-40B4-BE49-F238E27FC236}">
+                <a16:creationId xmlns:a16="http://schemas.microsoft.com/office/drawing/2014/main" id="{BDCDC013-8587-9059-925C-A03B428AEB08}"/>
+              </a:ext>
+            </a:extLst>
+          </p:cNvPr>
+          <p:cNvSpPr/>
+          <p:nvPr/>
+        </p:nvSpPr>
+        <p:spPr>
+          <a:xfrm>
+            <a:off x="9326218" y="2773866"/>
+            <a:ext cx="1880484" cy="830912"/>
+          </a:xfrm>
+          <a:prstGeom prst="rect">
+            <a:avLst/>
+          </a:prstGeom>
+          <a:noFill/>
+          <a:ln>
+            <a:noFill/>
+          </a:ln>
+        </p:spPr>
+        <p:style>
+          <a:lnRef idx="0">
+            <a:scrgbClr r="0" g="0" b="0"/>
+          </a:lnRef>
+          <a:fillRef idx="0">
+            <a:scrgbClr r="0" g="0" b="0"/>
+          </a:fillRef>
+          <a:effectRef idx="0">
+            <a:scrgbClr r="0" g="0" b="0"/>
+          </a:effectRef>
+          <a:fontRef idx="minor">
+            <a:schemeClr val="accent4"/>
+          </a:fontRef>
+        </p:style>
+        <p:txBody>
+          <a:bodyPr rtlCol="0" anchor="ctr"/>
+          <a:lstStyle/>
+          <a:p>
+            <a:pPr algn="ctr"/>
+            <a:r>
+              <a:rPr lang="en-US" dirty="0"/>
+              <a:t>What Method’s do we need</a:t>
+            </a:r>
+          </a:p>
+        </p:txBody>
+      </p:sp>
+    </p:spTree>
+    <p:extLst>
+      <p:ext uri="{BB962C8B-B14F-4D97-AF65-F5344CB8AC3E}">
+        <p14:creationId xmlns:p14="http://schemas.microsoft.com/office/powerpoint/2010/main" val="3370163891"/>
+      </p:ext>
+    </p:extLst>
+  </p:cSld>
+  <p:clrMapOvr>
+    <a:masterClrMapping/>
+  </p:clrMapOvr>
+</p:sld>
+</file>
+
 <file path=ppt/theme/theme1.xml><?xml version="1.0" encoding="utf-8"?>
 <a:theme xmlns:a="http://schemas.openxmlformats.org/drawingml/2006/main" name="Office Theme">
   <a:themeElements>

--- a/CLR_via_CSharp/Chapter 11 - Events/Events.pptx
+++ b/CLR_via_CSharp/Chapter 11 - Events/Events.pptx
@@ -10,6 +10,7 @@
     <p:sldId id="258" r:id="rId4"/>
     <p:sldId id="259" r:id="rId5"/>
     <p:sldId id="260" r:id="rId6"/>
+    <p:sldId id="261" r:id="rId7"/>
   </p:sldIdLst>
   <p:sldSz cx="12192000" cy="6858000"/>
   <p:notesSz cx="6858000" cy="9144000"/>
@@ -4514,6 +4515,89 @@
 </p:sld>
 </file>
 
+<file path=ppt/slides/slide6.xml><?xml version="1.0" encoding="utf-8"?>
+<p:sld xmlns:a="http://schemas.openxmlformats.org/drawingml/2006/main" xmlns:r="http://schemas.openxmlformats.org/officeDocument/2006/relationships" xmlns:p="http://schemas.openxmlformats.org/presentationml/2006/main">
+  <p:cSld>
+    <p:spTree>
+      <p:nvGrpSpPr>
+        <p:cNvPr id="1" name=""/>
+        <p:cNvGrpSpPr/>
+        <p:nvPr/>
+      </p:nvGrpSpPr>
+      <p:grpSpPr>
+        <a:xfrm>
+          <a:off x="0" y="0"/>
+          <a:ext cx="0" cy="0"/>
+          <a:chOff x="0" y="0"/>
+          <a:chExt cx="0" cy="0"/>
+        </a:xfrm>
+      </p:grpSpPr>
+      <p:sp>
+        <p:nvSpPr>
+          <p:cNvPr id="2" name="Title 1">
+            <a:extLst>
+              <a:ext uri="{FF2B5EF4-FFF2-40B4-BE49-F238E27FC236}">
+                <a16:creationId xmlns:a16="http://schemas.microsoft.com/office/drawing/2014/main" id="{E299635D-6B83-32F0-0F29-91EFBACC097D}"/>
+              </a:ext>
+            </a:extLst>
+          </p:cNvPr>
+          <p:cNvSpPr>
+            <a:spLocks noGrp="1"/>
+          </p:cNvSpPr>
+          <p:nvPr>
+            <p:ph type="title"/>
+          </p:nvPr>
+        </p:nvSpPr>
+        <p:spPr/>
+        <p:txBody>
+          <a:bodyPr/>
+          <a:lstStyle/>
+          <a:p>
+            <a:r>
+              <a:rPr lang="en-US" dirty="0"/>
+              <a:t>Let’s make it</a:t>
+            </a:r>
+          </a:p>
+        </p:txBody>
+      </p:sp>
+      <p:sp>
+        <p:nvSpPr>
+          <p:cNvPr id="3" name="Content Placeholder 2">
+            <a:extLst>
+              <a:ext uri="{FF2B5EF4-FFF2-40B4-BE49-F238E27FC236}">
+                <a16:creationId xmlns:a16="http://schemas.microsoft.com/office/drawing/2014/main" id="{84C3365C-8ECB-7151-41E2-2428E4B14307}"/>
+              </a:ext>
+            </a:extLst>
+          </p:cNvPr>
+          <p:cNvSpPr>
+            <a:spLocks noGrp="1"/>
+          </p:cNvSpPr>
+          <p:nvPr>
+            <p:ph idx="1"/>
+          </p:nvPr>
+        </p:nvSpPr>
+        <p:spPr/>
+        <p:txBody>
+          <a:bodyPr/>
+          <a:lstStyle/>
+          <a:p>
+            <a:endParaRPr lang="en-US"/>
+          </a:p>
+        </p:txBody>
+      </p:sp>
+    </p:spTree>
+    <p:extLst>
+      <p:ext uri="{BB962C8B-B14F-4D97-AF65-F5344CB8AC3E}">
+        <p14:creationId xmlns:p14="http://schemas.microsoft.com/office/powerpoint/2010/main" val="4203718008"/>
+      </p:ext>
+    </p:extLst>
+  </p:cSld>
+  <p:clrMapOvr>
+    <a:masterClrMapping/>
+  </p:clrMapOvr>
+</p:sld>
+</file>
+
 <file path=ppt/theme/theme1.xml><?xml version="1.0" encoding="utf-8"?>
 <a:theme xmlns:a="http://schemas.openxmlformats.org/drawingml/2006/main" name="Office Theme">
   <a:themeElements>

--- a/CLR_via_CSharp/Chapter 11 - Events/Events.pptx
+++ b/CLR_via_CSharp/Chapter 11 - Events/Events.pptx
@@ -10,7 +10,11 @@
     <p:sldId id="258" r:id="rId4"/>
     <p:sldId id="259" r:id="rId5"/>
     <p:sldId id="260" r:id="rId6"/>
-    <p:sldId id="261" r:id="rId7"/>
+    <p:sldId id="265" r:id="rId7"/>
+    <p:sldId id="261" r:id="rId8"/>
+    <p:sldId id="262" r:id="rId9"/>
+    <p:sldId id="263" r:id="rId10"/>
+    <p:sldId id="264" r:id="rId11"/>
   </p:sldIdLst>
   <p:sldSz cx="12192000" cy="6858000"/>
   <p:notesSz cx="6858000" cy="9144000"/>
@@ -110,6 +114,27 @@
     </a:lvl9pPr>
   </p:defaultTextStyle>
   <p:extLst>
+    <p:ext uri="{521415D9-36F7-43E2-AB2F-B90AF26B5E84}">
+      <p14:sectionLst xmlns:p14="http://schemas.microsoft.com/office/powerpoint/2010/main">
+        <p14:section name="Default Section" id="{E38AD332-BFBE-40EA-9B82-1519ECC9FA39}">
+          <p14:sldIdLst>
+            <p14:sldId id="256"/>
+            <p14:sldId id="257"/>
+            <p14:sldId id="258"/>
+            <p14:sldId id="259"/>
+            <p14:sldId id="260"/>
+            <p14:sldId id="265"/>
+            <p14:sldId id="261"/>
+            <p14:sldId id="262"/>
+            <p14:sldId id="263"/>
+            <p14:sldId id="264"/>
+          </p14:sldIdLst>
+        </p14:section>
+        <p14:section name="Untitled Section" id="{301A0426-181E-49F0-ACCF-4EEA7AECCD6C}">
+          <p14:sldIdLst/>
+        </p14:section>
+      </p14:sectionLst>
+    </p:ext>
     <p:ext uri="{EFAFB233-063F-42B5-8137-9DF3F51BA10A}">
       <p15:sldGuideLst xmlns:p15="http://schemas.microsoft.com/office/powerpoint/2012/main"/>
     </p:ext>
@@ -3047,6 +3072,89 @@
 </p:sld>
 </file>
 
+<file path=ppt/slides/slide10.xml><?xml version="1.0" encoding="utf-8"?>
+<p:sld xmlns:a="http://schemas.openxmlformats.org/drawingml/2006/main" xmlns:r="http://schemas.openxmlformats.org/officeDocument/2006/relationships" xmlns:p="http://schemas.openxmlformats.org/presentationml/2006/main">
+  <p:cSld>
+    <p:spTree>
+      <p:nvGrpSpPr>
+        <p:cNvPr id="1" name=""/>
+        <p:cNvGrpSpPr/>
+        <p:nvPr/>
+      </p:nvGrpSpPr>
+      <p:grpSpPr>
+        <a:xfrm>
+          <a:off x="0" y="0"/>
+          <a:ext cx="0" cy="0"/>
+          <a:chOff x="0" y="0"/>
+          <a:chExt cx="0" cy="0"/>
+        </a:xfrm>
+      </p:grpSpPr>
+      <p:sp>
+        <p:nvSpPr>
+          <p:cNvPr id="2" name="Title 1">
+            <a:extLst>
+              <a:ext uri="{FF2B5EF4-FFF2-40B4-BE49-F238E27FC236}">
+                <a16:creationId xmlns:a16="http://schemas.microsoft.com/office/drawing/2014/main" id="{74FBB2A6-AF56-647F-ECF7-329110E5945F}"/>
+              </a:ext>
+            </a:extLst>
+          </p:cNvPr>
+          <p:cNvSpPr>
+            <a:spLocks noGrp="1"/>
+          </p:cNvSpPr>
+          <p:nvPr>
+            <p:ph type="title"/>
+          </p:nvPr>
+        </p:nvSpPr>
+        <p:spPr/>
+        <p:txBody>
+          <a:bodyPr/>
+          <a:lstStyle/>
+          <a:p>
+            <a:r>
+              <a:rPr lang="en-US" dirty="0"/>
+              <a:t>Define a method to raise the event</a:t>
+            </a:r>
+          </a:p>
+        </p:txBody>
+      </p:sp>
+      <p:sp>
+        <p:nvSpPr>
+          <p:cNvPr id="3" name="Content Placeholder 2">
+            <a:extLst>
+              <a:ext uri="{FF2B5EF4-FFF2-40B4-BE49-F238E27FC236}">
+                <a16:creationId xmlns:a16="http://schemas.microsoft.com/office/drawing/2014/main" id="{986EA908-48BC-024F-6274-B727A35681C4}"/>
+              </a:ext>
+            </a:extLst>
+          </p:cNvPr>
+          <p:cNvSpPr>
+            <a:spLocks noGrp="1"/>
+          </p:cNvSpPr>
+          <p:nvPr>
+            <p:ph idx="1"/>
+          </p:nvPr>
+        </p:nvSpPr>
+        <p:spPr/>
+        <p:txBody>
+          <a:bodyPr/>
+          <a:lstStyle/>
+          <a:p>
+            <a:endParaRPr lang="en-US"/>
+          </a:p>
+        </p:txBody>
+      </p:sp>
+    </p:spTree>
+    <p:extLst>
+      <p:ext uri="{BB962C8B-B14F-4D97-AF65-F5344CB8AC3E}">
+        <p14:creationId xmlns:p14="http://schemas.microsoft.com/office/powerpoint/2010/main" val="1027937060"/>
+      </p:ext>
+    </p:extLst>
+  </p:cSld>
+  <p:clrMapOvr>
+    <a:masterClrMapping/>
+  </p:clrMapOvr>
+</p:sld>
+</file>
+
 <file path=ppt/slides/slide2.xml><?xml version="1.0" encoding="utf-8"?>
 <p:sld xmlns:a="http://schemas.openxmlformats.org/drawingml/2006/main" xmlns:r="http://schemas.openxmlformats.org/officeDocument/2006/relationships" xmlns:p="http://schemas.openxmlformats.org/presentationml/2006/main">
   <p:cSld>
@@ -4537,6 +4645,92 @@
           <p:cNvPr id="2" name="Title 1">
             <a:extLst>
               <a:ext uri="{FF2B5EF4-FFF2-40B4-BE49-F238E27FC236}">
+                <a16:creationId xmlns:a16="http://schemas.microsoft.com/office/drawing/2014/main" id="{D08DD0C8-E388-3D88-DDFF-7F2E76B4E393}"/>
+              </a:ext>
+            </a:extLst>
+          </p:cNvPr>
+          <p:cNvSpPr>
+            <a:spLocks noGrp="1"/>
+          </p:cNvSpPr>
+          <p:nvPr>
+            <p:ph type="title"/>
+          </p:nvPr>
+        </p:nvSpPr>
+        <p:spPr/>
+        <p:txBody>
+          <a:bodyPr/>
+          <a:lstStyle/>
+          <a:p>
+            <a:r>
+              <a:rPr lang="en-US" dirty="0"/>
+              <a:t>Observer Pattern</a:t>
+            </a:r>
+          </a:p>
+        </p:txBody>
+      </p:sp>
+      <p:sp>
+        <p:nvSpPr>
+          <p:cNvPr id="3" name="Content Placeholder 2">
+            <a:extLst>
+              <a:ext uri="{FF2B5EF4-FFF2-40B4-BE49-F238E27FC236}">
+                <a16:creationId xmlns:a16="http://schemas.microsoft.com/office/drawing/2014/main" id="{BBF60019-D7A8-C753-73D1-1C80277E200A}"/>
+              </a:ext>
+            </a:extLst>
+          </p:cNvPr>
+          <p:cNvSpPr>
+            <a:spLocks noGrp="1"/>
+          </p:cNvSpPr>
+          <p:nvPr>
+            <p:ph idx="1"/>
+          </p:nvPr>
+        </p:nvSpPr>
+        <p:spPr/>
+        <p:txBody>
+          <a:bodyPr/>
+          <a:lstStyle/>
+          <a:p>
+            <a:r>
+              <a:rPr lang="en-US" dirty="0"/>
+              <a:t>This is a direct implementation of the Observer pattern. Maybe Tate will say, “This guy Jeff covered it” and skip it</a:t>
+            </a:r>
+          </a:p>
+        </p:txBody>
+      </p:sp>
+    </p:spTree>
+    <p:extLst>
+      <p:ext uri="{BB962C8B-B14F-4D97-AF65-F5344CB8AC3E}">
+        <p14:creationId xmlns:p14="http://schemas.microsoft.com/office/powerpoint/2010/main" val="3209042868"/>
+      </p:ext>
+    </p:extLst>
+  </p:cSld>
+  <p:clrMapOvr>
+    <a:masterClrMapping/>
+  </p:clrMapOvr>
+</p:sld>
+</file>
+
+<file path=ppt/slides/slide7.xml><?xml version="1.0" encoding="utf-8"?>
+<p:sld xmlns:a="http://schemas.openxmlformats.org/drawingml/2006/main" xmlns:r="http://schemas.openxmlformats.org/officeDocument/2006/relationships" xmlns:p="http://schemas.openxmlformats.org/presentationml/2006/main">
+  <p:cSld>
+    <p:spTree>
+      <p:nvGrpSpPr>
+        <p:cNvPr id="1" name=""/>
+        <p:cNvGrpSpPr/>
+        <p:nvPr/>
+      </p:nvGrpSpPr>
+      <p:grpSpPr>
+        <a:xfrm>
+          <a:off x="0" y="0"/>
+          <a:ext cx="0" cy="0"/>
+          <a:chOff x="0" y="0"/>
+          <a:chExt cx="0" cy="0"/>
+        </a:xfrm>
+      </p:grpSpPr>
+      <p:sp>
+        <p:nvSpPr>
+          <p:cNvPr id="2" name="Title 1">
+            <a:extLst>
+              <a:ext uri="{FF2B5EF4-FFF2-40B4-BE49-F238E27FC236}">
                 <a16:creationId xmlns:a16="http://schemas.microsoft.com/office/drawing/2014/main" id="{E299635D-6B83-32F0-0F29-91EFBACC097D}"/>
               </a:ext>
             </a:extLst>
@@ -4555,7 +4749,7 @@
           <a:p>
             <a:r>
               <a:rPr lang="en-US" dirty="0"/>
-              <a:t>Let’s make it</a:t>
+              <a:t>What should our message contain?</a:t>
             </a:r>
           </a:p>
         </p:txBody>
@@ -4581,14 +4775,370 @@
           <a:bodyPr/>
           <a:lstStyle/>
           <a:p>
-            <a:endParaRPr lang="en-US"/>
-          </a:p>
-        </p:txBody>
-      </p:sp>
+            <a:pPr marL="514350" indent="-514350">
+              <a:buAutoNum type="arabicPeriod"/>
+            </a:pPr>
+            <a:r>
+              <a:rPr lang="en-US" dirty="0"/>
+              <a:t>Class contains ‘</a:t>
+            </a:r>
+            <a:r>
+              <a:rPr lang="en-US" dirty="0" err="1"/>
+              <a:t>EventArgs</a:t>
+            </a:r>
+            <a:r>
+              <a:rPr lang="en-US" dirty="0"/>
+              <a:t> at end’</a:t>
+            </a:r>
+          </a:p>
+          <a:p>
+            <a:pPr marL="514350" indent="-514350">
+              <a:buAutoNum type="arabicPeriod"/>
+            </a:pPr>
+            <a:r>
+              <a:rPr lang="en-US" dirty="0"/>
+              <a:t>Inherits Event </a:t>
+            </a:r>
+            <a:r>
+              <a:rPr lang="en-US" dirty="0" err="1"/>
+              <a:t>Args</a:t>
+            </a:r>
+            <a:r>
+              <a:rPr lang="en-US" dirty="0"/>
+              <a:t> </a:t>
+            </a:r>
+            <a:r>
+              <a:rPr lang="en-US" dirty="0">
+                <a:sym typeface="Wingdings" panose="05000000000000000000" pitchFamily="2" charset="2"/>
+              </a:rPr>
+              <a:t> wrapper class around Object</a:t>
+            </a:r>
+            <a:endParaRPr lang="en-US" dirty="0"/>
+          </a:p>
+        </p:txBody>
+      </p:sp>
+      <p:pic>
+        <p:nvPicPr>
+          <p:cNvPr id="5" name="Picture 4">
+            <a:extLst>
+              <a:ext uri="{FF2B5EF4-FFF2-40B4-BE49-F238E27FC236}">
+                <a16:creationId xmlns:a16="http://schemas.microsoft.com/office/drawing/2014/main" id="{C4724C74-0356-5FC6-2EE6-2606BB4580C8}"/>
+              </a:ext>
+            </a:extLst>
+          </p:cNvPr>
+          <p:cNvPicPr>
+            <a:picLocks noChangeAspect="1"/>
+          </p:cNvPicPr>
+          <p:nvPr/>
+        </p:nvPicPr>
+        <p:blipFill>
+          <a:blip r:embed="rId2"/>
+          <a:stretch>
+            <a:fillRect/>
+          </a:stretch>
+        </p:blipFill>
+        <p:spPr>
+          <a:xfrm>
+            <a:off x="2442531" y="3404980"/>
+            <a:ext cx="4103887" cy="2906920"/>
+          </a:xfrm>
+          <a:prstGeom prst="rect">
+            <a:avLst/>
+          </a:prstGeom>
+        </p:spPr>
+      </p:pic>
+      <p:pic>
+        <p:nvPicPr>
+          <p:cNvPr id="7" name="Picture 6">
+            <a:extLst>
+              <a:ext uri="{FF2B5EF4-FFF2-40B4-BE49-F238E27FC236}">
+                <a16:creationId xmlns:a16="http://schemas.microsoft.com/office/drawing/2014/main" id="{9DC91FE5-1B17-730A-C8E6-D66D66B3794D}"/>
+              </a:ext>
+            </a:extLst>
+          </p:cNvPr>
+          <p:cNvPicPr>
+            <a:picLocks noChangeAspect="1"/>
+          </p:cNvPicPr>
+          <p:nvPr/>
+        </p:nvPicPr>
+        <p:blipFill>
+          <a:blip r:embed="rId3"/>
+          <a:stretch>
+            <a:fillRect/>
+          </a:stretch>
+        </p:blipFill>
+        <p:spPr>
+          <a:xfrm>
+            <a:off x="7399282" y="3232903"/>
+            <a:ext cx="4194266" cy="3078997"/>
+          </a:xfrm>
+          <a:prstGeom prst="rect">
+            <a:avLst/>
+          </a:prstGeom>
+        </p:spPr>
+      </p:pic>
     </p:spTree>
     <p:extLst>
       <p:ext uri="{BB962C8B-B14F-4D97-AF65-F5344CB8AC3E}">
         <p14:creationId xmlns:p14="http://schemas.microsoft.com/office/powerpoint/2010/main" val="4203718008"/>
+      </p:ext>
+    </p:extLst>
+  </p:cSld>
+  <p:clrMapOvr>
+    <a:masterClrMapping/>
+  </p:clrMapOvr>
+</p:sld>
+</file>
+
+<file path=ppt/slides/slide8.xml><?xml version="1.0" encoding="utf-8"?>
+<p:sld xmlns:a="http://schemas.openxmlformats.org/drawingml/2006/main" xmlns:r="http://schemas.openxmlformats.org/officeDocument/2006/relationships" xmlns:p="http://schemas.openxmlformats.org/presentationml/2006/main">
+  <p:cSld>
+    <p:spTree>
+      <p:nvGrpSpPr>
+        <p:cNvPr id="1" name=""/>
+        <p:cNvGrpSpPr/>
+        <p:nvPr/>
+      </p:nvGrpSpPr>
+      <p:grpSpPr>
+        <a:xfrm>
+          <a:off x="0" y="0"/>
+          <a:ext cx="0" cy="0"/>
+          <a:chOff x="0" y="0"/>
+          <a:chExt cx="0" cy="0"/>
+        </a:xfrm>
+      </p:grpSpPr>
+      <p:sp>
+        <p:nvSpPr>
+          <p:cNvPr id="2" name="Title 1">
+            <a:extLst>
+              <a:ext uri="{FF2B5EF4-FFF2-40B4-BE49-F238E27FC236}">
+                <a16:creationId xmlns:a16="http://schemas.microsoft.com/office/drawing/2014/main" id="{719E9083-9C4C-8C8E-C694-27578539EB83}"/>
+              </a:ext>
+            </a:extLst>
+          </p:cNvPr>
+          <p:cNvSpPr>
+            <a:spLocks noGrp="1"/>
+          </p:cNvSpPr>
+          <p:nvPr>
+            <p:ph type="title"/>
+          </p:nvPr>
+        </p:nvSpPr>
+        <p:spPr/>
+        <p:txBody>
+          <a:bodyPr/>
+          <a:lstStyle/>
+          <a:p>
+            <a:r>
+              <a:rPr lang="en-US" dirty="0"/>
+              <a:t>Oh </a:t>
+            </a:r>
+            <a:r>
+              <a:rPr lang="en-US" dirty="0" err="1"/>
+              <a:t>Ildasm</a:t>
+            </a:r>
+            <a:endParaRPr lang="en-US" dirty="0"/>
+          </a:p>
+        </p:txBody>
+      </p:sp>
+      <p:pic>
+        <p:nvPicPr>
+          <p:cNvPr id="4" name="Picture 3">
+            <a:extLst>
+              <a:ext uri="{FF2B5EF4-FFF2-40B4-BE49-F238E27FC236}">
+                <a16:creationId xmlns:a16="http://schemas.microsoft.com/office/drawing/2014/main" id="{1D417E0B-B4C2-D731-E44E-E66227E4A9C1}"/>
+              </a:ext>
+            </a:extLst>
+          </p:cNvPr>
+          <p:cNvPicPr>
+            <a:picLocks noChangeAspect="1"/>
+          </p:cNvPicPr>
+          <p:nvPr/>
+        </p:nvPicPr>
+        <p:blipFill>
+          <a:blip r:embed="rId2"/>
+          <a:stretch>
+            <a:fillRect/>
+          </a:stretch>
+        </p:blipFill>
+        <p:spPr>
+          <a:xfrm>
+            <a:off x="1635707" y="2764004"/>
+            <a:ext cx="4103887" cy="2906920"/>
+          </a:xfrm>
+          <a:prstGeom prst="rect">
+            <a:avLst/>
+          </a:prstGeom>
+        </p:spPr>
+      </p:pic>
+      <p:pic>
+        <p:nvPicPr>
+          <p:cNvPr id="5" name="Picture 4">
+            <a:extLst>
+              <a:ext uri="{FF2B5EF4-FFF2-40B4-BE49-F238E27FC236}">
+                <a16:creationId xmlns:a16="http://schemas.microsoft.com/office/drawing/2014/main" id="{AD36CB45-0256-79EA-D0E6-93944259493C}"/>
+              </a:ext>
+            </a:extLst>
+          </p:cNvPr>
+          <p:cNvPicPr>
+            <a:picLocks noChangeAspect="1"/>
+          </p:cNvPicPr>
+          <p:nvPr/>
+        </p:nvPicPr>
+        <p:blipFill>
+          <a:blip r:embed="rId3"/>
+          <a:stretch>
+            <a:fillRect/>
+          </a:stretch>
+        </p:blipFill>
+        <p:spPr>
+          <a:xfrm>
+            <a:off x="6592458" y="2591927"/>
+            <a:ext cx="4194266" cy="3078997"/>
+          </a:xfrm>
+          <a:prstGeom prst="rect">
+            <a:avLst/>
+          </a:prstGeom>
+        </p:spPr>
+      </p:pic>
+    </p:spTree>
+    <p:extLst>
+      <p:ext uri="{BB962C8B-B14F-4D97-AF65-F5344CB8AC3E}">
+        <p14:creationId xmlns:p14="http://schemas.microsoft.com/office/powerpoint/2010/main" val="907062497"/>
+      </p:ext>
+    </p:extLst>
+  </p:cSld>
+  <p:clrMapOvr>
+    <a:masterClrMapping/>
+  </p:clrMapOvr>
+</p:sld>
+</file>
+
+<file path=ppt/slides/slide9.xml><?xml version="1.0" encoding="utf-8"?>
+<p:sld xmlns:a="http://schemas.openxmlformats.org/drawingml/2006/main" xmlns:r="http://schemas.openxmlformats.org/officeDocument/2006/relationships" xmlns:p="http://schemas.openxmlformats.org/presentationml/2006/main">
+  <p:cSld>
+    <p:spTree>
+      <p:nvGrpSpPr>
+        <p:cNvPr id="1" name=""/>
+        <p:cNvGrpSpPr/>
+        <p:nvPr/>
+      </p:nvGrpSpPr>
+      <p:grpSpPr>
+        <a:xfrm>
+          <a:off x="0" y="0"/>
+          <a:ext cx="0" cy="0"/>
+          <a:chOff x="0" y="0"/>
+          <a:chExt cx="0" cy="0"/>
+        </a:xfrm>
+      </p:grpSpPr>
+      <p:sp>
+        <p:nvSpPr>
+          <p:cNvPr id="2" name="Title 1">
+            <a:extLst>
+              <a:ext uri="{FF2B5EF4-FFF2-40B4-BE49-F238E27FC236}">
+                <a16:creationId xmlns:a16="http://schemas.microsoft.com/office/drawing/2014/main" id="{6CC4E411-9B4A-D687-AB8C-D549324F5734}"/>
+              </a:ext>
+            </a:extLst>
+          </p:cNvPr>
+          <p:cNvSpPr>
+            <a:spLocks noGrp="1"/>
+          </p:cNvSpPr>
+          <p:nvPr>
+            <p:ph type="title"/>
+          </p:nvPr>
+        </p:nvSpPr>
+        <p:spPr/>
+        <p:txBody>
+          <a:bodyPr/>
+          <a:lstStyle/>
+          <a:p>
+            <a:r>
+              <a:rPr lang="en-US" dirty="0"/>
+              <a:t>It’s called event’s </a:t>
+            </a:r>
+            <a:r>
+              <a:rPr lang="en-US" dirty="0" err="1"/>
+              <a:t>aint</a:t>
+            </a:r>
+            <a:r>
+              <a:rPr lang="en-US" dirty="0"/>
+              <a:t> it</a:t>
+            </a:r>
+          </a:p>
+        </p:txBody>
+      </p:sp>
+      <p:sp>
+        <p:nvSpPr>
+          <p:cNvPr id="3" name="Content Placeholder 2">
+            <a:extLst>
+              <a:ext uri="{FF2B5EF4-FFF2-40B4-BE49-F238E27FC236}">
+                <a16:creationId xmlns:a16="http://schemas.microsoft.com/office/drawing/2014/main" id="{FEBB577B-D02B-3B6B-BB4B-7ED2E221745F}"/>
+              </a:ext>
+            </a:extLst>
+          </p:cNvPr>
+          <p:cNvSpPr>
+            <a:spLocks noGrp="1"/>
+          </p:cNvSpPr>
+          <p:nvPr>
+            <p:ph idx="1"/>
+          </p:nvPr>
+        </p:nvSpPr>
+        <p:spPr/>
+        <p:txBody>
+          <a:bodyPr/>
+          <a:lstStyle/>
+          <a:p>
+            <a:r>
+              <a:rPr lang="en-US" dirty="0"/>
+              <a:t>Create a class that’s got an </a:t>
+            </a:r>
+            <a:r>
+              <a:rPr lang="en-US" dirty="0" err="1"/>
+              <a:t>envent</a:t>
+            </a:r>
+            <a:endParaRPr lang="en-US" dirty="0"/>
+          </a:p>
+          <a:p>
+            <a:r>
+              <a:rPr lang="en-US" dirty="0"/>
+              <a:t>What should the visibility of that member be?</a:t>
+            </a:r>
+          </a:p>
+        </p:txBody>
+      </p:sp>
+      <p:pic>
+        <p:nvPicPr>
+          <p:cNvPr id="5" name="Picture 4">
+            <a:extLst>
+              <a:ext uri="{FF2B5EF4-FFF2-40B4-BE49-F238E27FC236}">
+                <a16:creationId xmlns:a16="http://schemas.microsoft.com/office/drawing/2014/main" id="{14AF3856-B1C6-D4F5-9606-A9335C37E04E}"/>
+              </a:ext>
+            </a:extLst>
+          </p:cNvPr>
+          <p:cNvPicPr>
+            <a:picLocks noChangeAspect="1"/>
+          </p:cNvPicPr>
+          <p:nvPr/>
+        </p:nvPicPr>
+        <p:blipFill>
+          <a:blip r:embed="rId2"/>
+          <a:stretch>
+            <a:fillRect/>
+          </a:stretch>
+        </p:blipFill>
+        <p:spPr>
+          <a:xfrm>
+            <a:off x="1271956" y="3370444"/>
+            <a:ext cx="5982535" cy="2343477"/>
+          </a:xfrm>
+          <a:prstGeom prst="rect">
+            <a:avLst/>
+          </a:prstGeom>
+        </p:spPr>
+      </p:pic>
+    </p:spTree>
+    <p:extLst>
+      <p:ext uri="{BB962C8B-B14F-4D97-AF65-F5344CB8AC3E}">
+        <p14:creationId xmlns:p14="http://schemas.microsoft.com/office/powerpoint/2010/main" val="1675674996"/>
       </p:ext>
     </p:extLst>
   </p:cSld>

--- a/CLR_via_CSharp/Chapter 11 - Events/Events.pptx
+++ b/CLR_via_CSharp/Chapter 11 - Events/Events.pptx
@@ -7,14 +7,15 @@
   <p:sldIdLst>
     <p:sldId id="256" r:id="rId2"/>
     <p:sldId id="257" r:id="rId3"/>
-    <p:sldId id="258" r:id="rId4"/>
-    <p:sldId id="259" r:id="rId5"/>
-    <p:sldId id="260" r:id="rId6"/>
-    <p:sldId id="265" r:id="rId7"/>
-    <p:sldId id="261" r:id="rId8"/>
-    <p:sldId id="262" r:id="rId9"/>
-    <p:sldId id="263" r:id="rId10"/>
+    <p:sldId id="268" r:id="rId4"/>
+    <p:sldId id="258" r:id="rId5"/>
+    <p:sldId id="259" r:id="rId6"/>
+    <p:sldId id="260" r:id="rId7"/>
+    <p:sldId id="265" r:id="rId8"/>
+    <p:sldId id="266" r:id="rId9"/>
+    <p:sldId id="267" r:id="rId10"/>
     <p:sldId id="264" r:id="rId11"/>
+    <p:sldId id="269" r:id="rId12"/>
   </p:sldIdLst>
   <p:sldSz cx="12192000" cy="6858000"/>
   <p:notesSz cx="6858000" cy="9144000"/>
@@ -120,14 +121,15 @@
           <p14:sldIdLst>
             <p14:sldId id="256"/>
             <p14:sldId id="257"/>
+            <p14:sldId id="268"/>
             <p14:sldId id="258"/>
             <p14:sldId id="259"/>
             <p14:sldId id="260"/>
             <p14:sldId id="265"/>
-            <p14:sldId id="261"/>
-            <p14:sldId id="262"/>
-            <p14:sldId id="263"/>
+            <p14:sldId id="266"/>
+            <p14:sldId id="267"/>
             <p14:sldId id="264"/>
+            <p14:sldId id="269"/>
           </p14:sldIdLst>
         </p14:section>
         <p14:section name="Untitled Section" id="{301A0426-181E-49F0-ACCF-4EEA7AECCD6C}">
@@ -3112,7 +3114,7 @@
           <a:p>
             <a:r>
               <a:rPr lang="en-US" dirty="0"/>
-              <a:t>Define a method to raise the event</a:t>
+              <a:t>What does the Compiler do</a:t>
             </a:r>
           </a:p>
         </p:txBody>
@@ -3138,7 +3140,46 @@
           <a:bodyPr/>
           <a:lstStyle/>
           <a:p>
-            <a:endParaRPr lang="en-US"/>
+            <a:pPr marL="514350" indent="-514350">
+              <a:buAutoNum type="arabicPeriod"/>
+            </a:pPr>
+            <a:r>
+              <a:rPr lang="en-US" dirty="0"/>
+              <a:t>Creates a private ‘delegate field’</a:t>
+            </a:r>
+          </a:p>
+          <a:p>
+            <a:pPr marL="514350" indent="-514350">
+              <a:buAutoNum type="arabicPeriod"/>
+            </a:pPr>
+            <a:r>
+              <a:rPr lang="en-US" dirty="0"/>
+              <a:t>Add</a:t>
+            </a:r>
+          </a:p>
+          <a:p>
+            <a:pPr marL="514350" indent="-514350">
+              <a:buAutoNum type="arabicPeriod"/>
+            </a:pPr>
+            <a:r>
+              <a:rPr lang="en-US" dirty="0"/>
+              <a:t>Remove</a:t>
+            </a:r>
+          </a:p>
+          <a:p>
+            <a:pPr marL="514350" indent="-514350">
+              <a:buAutoNum type="arabicPeriod"/>
+            </a:pPr>
+            <a:endParaRPr lang="en-US" dirty="0"/>
+          </a:p>
+          <a:p>
+            <a:pPr marL="0" indent="0">
+              <a:buNone/>
+            </a:pPr>
+            <a:r>
+              <a:rPr lang="en-US" dirty="0"/>
+              <a:t>Remove on an object that doesn’t exist?</a:t>
+            </a:r>
           </a:p>
         </p:txBody>
       </p:sp>
@@ -3146,6 +3187,89 @@
     <p:extLst>
       <p:ext uri="{BB962C8B-B14F-4D97-AF65-F5344CB8AC3E}">
         <p14:creationId xmlns:p14="http://schemas.microsoft.com/office/powerpoint/2010/main" val="1027937060"/>
+      </p:ext>
+    </p:extLst>
+  </p:cSld>
+  <p:clrMapOvr>
+    <a:masterClrMapping/>
+  </p:clrMapOvr>
+</p:sld>
+</file>
+
+<file path=ppt/slides/slide11.xml><?xml version="1.0" encoding="utf-8"?>
+<p:sld xmlns:a="http://schemas.openxmlformats.org/drawingml/2006/main" xmlns:r="http://schemas.openxmlformats.org/officeDocument/2006/relationships" xmlns:p="http://schemas.openxmlformats.org/presentationml/2006/main">
+  <p:cSld>
+    <p:spTree>
+      <p:nvGrpSpPr>
+        <p:cNvPr id="1" name=""/>
+        <p:cNvGrpSpPr/>
+        <p:nvPr/>
+      </p:nvGrpSpPr>
+      <p:grpSpPr>
+        <a:xfrm>
+          <a:off x="0" y="0"/>
+          <a:ext cx="0" cy="0"/>
+          <a:chOff x="0" y="0"/>
+          <a:chExt cx="0" cy="0"/>
+        </a:xfrm>
+      </p:grpSpPr>
+      <p:sp>
+        <p:nvSpPr>
+          <p:cNvPr id="2" name="Title 1">
+            <a:extLst>
+              <a:ext uri="{FF2B5EF4-FFF2-40B4-BE49-F238E27FC236}">
+                <a16:creationId xmlns:a16="http://schemas.microsoft.com/office/drawing/2014/main" id="{B4763EDC-650E-3E66-27AA-B06F2BC16BB8}"/>
+              </a:ext>
+            </a:extLst>
+          </p:cNvPr>
+          <p:cNvSpPr>
+            <a:spLocks noGrp="1"/>
+          </p:cNvSpPr>
+          <p:nvPr>
+            <p:ph type="title"/>
+          </p:nvPr>
+        </p:nvSpPr>
+        <p:spPr/>
+        <p:txBody>
+          <a:bodyPr/>
+          <a:lstStyle/>
+          <a:p>
+            <a:r>
+              <a:rPr lang="en-US" dirty="0"/>
+              <a:t>We need a listener for the event</a:t>
+            </a:r>
+          </a:p>
+        </p:txBody>
+      </p:sp>
+      <p:sp>
+        <p:nvSpPr>
+          <p:cNvPr id="3" name="Content Placeholder 2">
+            <a:extLst>
+              <a:ext uri="{FF2B5EF4-FFF2-40B4-BE49-F238E27FC236}">
+                <a16:creationId xmlns:a16="http://schemas.microsoft.com/office/drawing/2014/main" id="{2AEEA801-8B14-B821-AF25-9CDFC985AD6D}"/>
+              </a:ext>
+            </a:extLst>
+          </p:cNvPr>
+          <p:cNvSpPr>
+            <a:spLocks noGrp="1"/>
+          </p:cNvSpPr>
+          <p:nvPr>
+            <p:ph idx="1"/>
+          </p:nvPr>
+        </p:nvSpPr>
+        <p:spPr/>
+        <p:txBody>
+          <a:bodyPr/>
+          <a:lstStyle/>
+          <a:p>
+            <a:endParaRPr lang="en-US"/>
+          </a:p>
+        </p:txBody>
+      </p:sp>
+    </p:spTree>
+    <p:extLst>
+      <p:ext uri="{BB962C8B-B14F-4D97-AF65-F5344CB8AC3E}">
+        <p14:creationId xmlns:p14="http://schemas.microsoft.com/office/powerpoint/2010/main" val="962028096"/>
       </p:ext>
     </p:extLst>
   </p:cSld>
@@ -3312,6 +3436,104 @@
 </file>
 
 <file path=ppt/slides/slide3.xml><?xml version="1.0" encoding="utf-8"?>
+<p:sld xmlns:a="http://schemas.openxmlformats.org/drawingml/2006/main" xmlns:r="http://schemas.openxmlformats.org/officeDocument/2006/relationships" xmlns:p="http://schemas.openxmlformats.org/presentationml/2006/main">
+  <p:cSld>
+    <p:spTree>
+      <p:nvGrpSpPr>
+        <p:cNvPr id="1" name=""/>
+        <p:cNvGrpSpPr/>
+        <p:nvPr/>
+      </p:nvGrpSpPr>
+      <p:grpSpPr>
+        <a:xfrm>
+          <a:off x="0" y="0"/>
+          <a:ext cx="0" cy="0"/>
+          <a:chOff x="0" y="0"/>
+          <a:chExt cx="0" cy="0"/>
+        </a:xfrm>
+      </p:grpSpPr>
+      <p:sp>
+        <p:nvSpPr>
+          <p:cNvPr id="2" name="Title 1">
+            <a:extLst>
+              <a:ext uri="{FF2B5EF4-FFF2-40B4-BE49-F238E27FC236}">
+                <a16:creationId xmlns:a16="http://schemas.microsoft.com/office/drawing/2014/main" id="{74FBB2A6-AF56-647F-ECF7-329110E5945F}"/>
+              </a:ext>
+            </a:extLst>
+          </p:cNvPr>
+          <p:cNvSpPr>
+            <a:spLocks noGrp="1"/>
+          </p:cNvSpPr>
+          <p:nvPr>
+            <p:ph type="title"/>
+          </p:nvPr>
+        </p:nvSpPr>
+        <p:spPr/>
+        <p:txBody>
+          <a:bodyPr/>
+          <a:lstStyle/>
+          <a:p>
+            <a:r>
+              <a:rPr lang="en-US" dirty="0"/>
+              <a:t>Disclaimer</a:t>
+            </a:r>
+          </a:p>
+        </p:txBody>
+      </p:sp>
+      <p:sp>
+        <p:nvSpPr>
+          <p:cNvPr id="3" name="Content Placeholder 2">
+            <a:extLst>
+              <a:ext uri="{FF2B5EF4-FFF2-40B4-BE49-F238E27FC236}">
+                <a16:creationId xmlns:a16="http://schemas.microsoft.com/office/drawing/2014/main" id="{986EA908-48BC-024F-6274-B727A35681C4}"/>
+              </a:ext>
+            </a:extLst>
+          </p:cNvPr>
+          <p:cNvSpPr>
+            <a:spLocks noGrp="1"/>
+          </p:cNvSpPr>
+          <p:nvPr>
+            <p:ph idx="1"/>
+          </p:nvPr>
+        </p:nvSpPr>
+        <p:spPr/>
+        <p:txBody>
+          <a:bodyPr/>
+          <a:lstStyle/>
+          <a:p>
+            <a:pPr marL="514350" indent="-514350">
+              <a:buAutoNum type="arabicPeriod"/>
+            </a:pPr>
+            <a:r>
+              <a:rPr lang="en-US" dirty="0"/>
+              <a:t>15 pages of hell</a:t>
+            </a:r>
+          </a:p>
+          <a:p>
+            <a:pPr marL="514350" indent="-514350">
+              <a:buAutoNum type="arabicPeriod"/>
+            </a:pPr>
+            <a:r>
+              <a:rPr lang="en-US" dirty="0"/>
+              <a:t>Jeffrey 1 – Srikar 0</a:t>
+            </a:r>
+          </a:p>
+        </p:txBody>
+      </p:sp>
+    </p:spTree>
+    <p:extLst>
+      <p:ext uri="{BB962C8B-B14F-4D97-AF65-F5344CB8AC3E}">
+        <p14:creationId xmlns:p14="http://schemas.microsoft.com/office/powerpoint/2010/main" val="3686312829"/>
+      </p:ext>
+    </p:extLst>
+  </p:cSld>
+  <p:clrMapOvr>
+    <a:masterClrMapping/>
+  </p:clrMapOvr>
+</p:sld>
+</file>
+
+<file path=ppt/slides/slide4.xml><?xml version="1.0" encoding="utf-8"?>
 <p:sld xmlns:a="http://schemas.openxmlformats.org/drawingml/2006/main" xmlns:r="http://schemas.openxmlformats.org/officeDocument/2006/relationships" xmlns:p="http://schemas.openxmlformats.org/presentationml/2006/main">
   <p:cSld>
     <p:spTree>
@@ -3579,7 +3801,7 @@
 </p:sld>
 </file>
 
-<file path=ppt/slides/slide4.xml><?xml version="1.0" encoding="utf-8"?>
+<file path=ppt/slides/slide5.xml><?xml version="1.0" encoding="utf-8"?>
 <p:sld xmlns:a="http://schemas.openxmlformats.org/drawingml/2006/main" xmlns:r="http://schemas.openxmlformats.org/officeDocument/2006/relationships" xmlns:p="http://schemas.openxmlformats.org/presentationml/2006/main">
   <p:cSld>
     <p:spTree>
@@ -3960,7 +4182,7 @@
 </p:sld>
 </file>
 
-<file path=ppt/slides/slide5.xml><?xml version="1.0" encoding="utf-8"?>
+<file path=ppt/slides/slide6.xml><?xml version="1.0" encoding="utf-8"?>
 <p:sld xmlns:a="http://schemas.openxmlformats.org/drawingml/2006/main" xmlns:r="http://schemas.openxmlformats.org/officeDocument/2006/relationships" xmlns:p="http://schemas.openxmlformats.org/presentationml/2006/main">
   <p:cSld>
     <p:spTree>
@@ -4623,92 +4845,6 @@
 </p:sld>
 </file>
 
-<file path=ppt/slides/slide6.xml><?xml version="1.0" encoding="utf-8"?>
-<p:sld xmlns:a="http://schemas.openxmlformats.org/drawingml/2006/main" xmlns:r="http://schemas.openxmlformats.org/officeDocument/2006/relationships" xmlns:p="http://schemas.openxmlformats.org/presentationml/2006/main">
-  <p:cSld>
-    <p:spTree>
-      <p:nvGrpSpPr>
-        <p:cNvPr id="1" name=""/>
-        <p:cNvGrpSpPr/>
-        <p:nvPr/>
-      </p:nvGrpSpPr>
-      <p:grpSpPr>
-        <a:xfrm>
-          <a:off x="0" y="0"/>
-          <a:ext cx="0" cy="0"/>
-          <a:chOff x="0" y="0"/>
-          <a:chExt cx="0" cy="0"/>
-        </a:xfrm>
-      </p:grpSpPr>
-      <p:sp>
-        <p:nvSpPr>
-          <p:cNvPr id="2" name="Title 1">
-            <a:extLst>
-              <a:ext uri="{FF2B5EF4-FFF2-40B4-BE49-F238E27FC236}">
-                <a16:creationId xmlns:a16="http://schemas.microsoft.com/office/drawing/2014/main" id="{D08DD0C8-E388-3D88-DDFF-7F2E76B4E393}"/>
-              </a:ext>
-            </a:extLst>
-          </p:cNvPr>
-          <p:cNvSpPr>
-            <a:spLocks noGrp="1"/>
-          </p:cNvSpPr>
-          <p:nvPr>
-            <p:ph type="title"/>
-          </p:nvPr>
-        </p:nvSpPr>
-        <p:spPr/>
-        <p:txBody>
-          <a:bodyPr/>
-          <a:lstStyle/>
-          <a:p>
-            <a:r>
-              <a:rPr lang="en-US" dirty="0"/>
-              <a:t>Observer Pattern</a:t>
-            </a:r>
-          </a:p>
-        </p:txBody>
-      </p:sp>
-      <p:sp>
-        <p:nvSpPr>
-          <p:cNvPr id="3" name="Content Placeholder 2">
-            <a:extLst>
-              <a:ext uri="{FF2B5EF4-FFF2-40B4-BE49-F238E27FC236}">
-                <a16:creationId xmlns:a16="http://schemas.microsoft.com/office/drawing/2014/main" id="{BBF60019-D7A8-C753-73D1-1C80277E200A}"/>
-              </a:ext>
-            </a:extLst>
-          </p:cNvPr>
-          <p:cNvSpPr>
-            <a:spLocks noGrp="1"/>
-          </p:cNvSpPr>
-          <p:nvPr>
-            <p:ph idx="1"/>
-          </p:nvPr>
-        </p:nvSpPr>
-        <p:spPr/>
-        <p:txBody>
-          <a:bodyPr/>
-          <a:lstStyle/>
-          <a:p>
-            <a:r>
-              <a:rPr lang="en-US" dirty="0"/>
-              <a:t>This is a direct implementation of the Observer pattern. Maybe Tate will say, “This guy Jeff covered it” and skip it</a:t>
-            </a:r>
-          </a:p>
-        </p:txBody>
-      </p:sp>
-    </p:spTree>
-    <p:extLst>
-      <p:ext uri="{BB962C8B-B14F-4D97-AF65-F5344CB8AC3E}">
-        <p14:creationId xmlns:p14="http://schemas.microsoft.com/office/powerpoint/2010/main" val="3209042868"/>
-      </p:ext>
-    </p:extLst>
-  </p:cSld>
-  <p:clrMapOvr>
-    <a:masterClrMapping/>
-  </p:clrMapOvr>
-</p:sld>
-</file>
-
 <file path=ppt/slides/slide7.xml><?xml version="1.0" encoding="utf-8"?>
 <p:sld xmlns:a="http://schemas.openxmlformats.org/drawingml/2006/main" xmlns:r="http://schemas.openxmlformats.org/officeDocument/2006/relationships" xmlns:p="http://schemas.openxmlformats.org/presentationml/2006/main">
   <p:cSld>
@@ -4731,7 +4867,7 @@
           <p:cNvPr id="2" name="Title 1">
             <a:extLst>
               <a:ext uri="{FF2B5EF4-FFF2-40B4-BE49-F238E27FC236}">
-                <a16:creationId xmlns:a16="http://schemas.microsoft.com/office/drawing/2014/main" id="{E299635D-6B83-32F0-0F29-91EFBACC097D}"/>
+                <a16:creationId xmlns:a16="http://schemas.microsoft.com/office/drawing/2014/main" id="{D08DD0C8-E388-3D88-DDFF-7F2E76B4E393}"/>
               </a:ext>
             </a:extLst>
           </p:cNvPr>
@@ -4749,7 +4885,7 @@
           <a:p>
             <a:r>
               <a:rPr lang="en-US" dirty="0"/>
-              <a:t>What should our message contain?</a:t>
+              <a:t>Observer Pattern</a:t>
             </a:r>
           </a:p>
         </p:txBody>
@@ -4759,7 +4895,7 @@
           <p:cNvPr id="3" name="Content Placeholder 2">
             <a:extLst>
               <a:ext uri="{FF2B5EF4-FFF2-40B4-BE49-F238E27FC236}">
-                <a16:creationId xmlns:a16="http://schemas.microsoft.com/office/drawing/2014/main" id="{84C3365C-8ECB-7151-41E2-2428E4B14307}"/>
+                <a16:creationId xmlns:a16="http://schemas.microsoft.com/office/drawing/2014/main" id="{BBF60019-D7A8-C753-73D1-1C80277E200A}"/>
               </a:ext>
             </a:extLst>
           </p:cNvPr>
@@ -4775,112 +4911,17 @@
           <a:bodyPr/>
           <a:lstStyle/>
           <a:p>
-            <a:pPr marL="514350" indent="-514350">
-              <a:buAutoNum type="arabicPeriod"/>
-            </a:pPr>
             <a:r>
               <a:rPr lang="en-US" dirty="0"/>
-              <a:t>Class contains ‘</a:t>
-            </a:r>
-            <a:r>
-              <a:rPr lang="en-US" dirty="0" err="1"/>
-              <a:t>EventArgs</a:t>
-            </a:r>
-            <a:r>
-              <a:rPr lang="en-US" dirty="0"/>
-              <a:t> at end’</a:t>
-            </a:r>
-          </a:p>
-          <a:p>
-            <a:pPr marL="514350" indent="-514350">
-              <a:buAutoNum type="arabicPeriod"/>
-            </a:pPr>
-            <a:r>
-              <a:rPr lang="en-US" dirty="0"/>
-              <a:t>Inherits Event </a:t>
-            </a:r>
-            <a:r>
-              <a:rPr lang="en-US" dirty="0" err="1"/>
-              <a:t>Args</a:t>
-            </a:r>
-            <a:r>
-              <a:rPr lang="en-US" dirty="0"/>
-              <a:t> </a:t>
-            </a:r>
-            <a:r>
-              <a:rPr lang="en-US" dirty="0">
-                <a:sym typeface="Wingdings" panose="05000000000000000000" pitchFamily="2" charset="2"/>
-              </a:rPr>
-              <a:t> wrapper class around Object</a:t>
-            </a:r>
-            <a:endParaRPr lang="en-US" dirty="0"/>
-          </a:p>
-        </p:txBody>
-      </p:sp>
-      <p:pic>
-        <p:nvPicPr>
-          <p:cNvPr id="5" name="Picture 4">
-            <a:extLst>
-              <a:ext uri="{FF2B5EF4-FFF2-40B4-BE49-F238E27FC236}">
-                <a16:creationId xmlns:a16="http://schemas.microsoft.com/office/drawing/2014/main" id="{C4724C74-0356-5FC6-2EE6-2606BB4580C8}"/>
-              </a:ext>
-            </a:extLst>
-          </p:cNvPr>
-          <p:cNvPicPr>
-            <a:picLocks noChangeAspect="1"/>
-          </p:cNvPicPr>
-          <p:nvPr/>
-        </p:nvPicPr>
-        <p:blipFill>
-          <a:blip r:embed="rId2"/>
-          <a:stretch>
-            <a:fillRect/>
-          </a:stretch>
-        </p:blipFill>
-        <p:spPr>
-          <a:xfrm>
-            <a:off x="2442531" y="3404980"/>
-            <a:ext cx="4103887" cy="2906920"/>
-          </a:xfrm>
-          <a:prstGeom prst="rect">
-            <a:avLst/>
-          </a:prstGeom>
-        </p:spPr>
-      </p:pic>
-      <p:pic>
-        <p:nvPicPr>
-          <p:cNvPr id="7" name="Picture 6">
-            <a:extLst>
-              <a:ext uri="{FF2B5EF4-FFF2-40B4-BE49-F238E27FC236}">
-                <a16:creationId xmlns:a16="http://schemas.microsoft.com/office/drawing/2014/main" id="{9DC91FE5-1B17-730A-C8E6-D66D66B3794D}"/>
-              </a:ext>
-            </a:extLst>
-          </p:cNvPr>
-          <p:cNvPicPr>
-            <a:picLocks noChangeAspect="1"/>
-          </p:cNvPicPr>
-          <p:nvPr/>
-        </p:nvPicPr>
-        <p:blipFill>
-          <a:blip r:embed="rId3"/>
-          <a:stretch>
-            <a:fillRect/>
-          </a:stretch>
-        </p:blipFill>
-        <p:spPr>
-          <a:xfrm>
-            <a:off x="7399282" y="3232903"/>
-            <a:ext cx="4194266" cy="3078997"/>
-          </a:xfrm>
-          <a:prstGeom prst="rect">
-            <a:avLst/>
-          </a:prstGeom>
-        </p:spPr>
-      </p:pic>
+              <a:t>This is a direct implementation of the Observer pattern. Maybe Tate will say, “This guy Jeff covered it” and skip it</a:t>
+            </a:r>
+          </a:p>
+        </p:txBody>
+      </p:sp>
     </p:spTree>
     <p:extLst>
       <p:ext uri="{BB962C8B-B14F-4D97-AF65-F5344CB8AC3E}">
-        <p14:creationId xmlns:p14="http://schemas.microsoft.com/office/powerpoint/2010/main" val="4203718008"/>
+        <p14:creationId xmlns:p14="http://schemas.microsoft.com/office/powerpoint/2010/main" val="3209042868"/>
       </p:ext>
     </p:extLst>
   </p:cSld>
@@ -4912,7 +4953,7 @@
           <p:cNvPr id="2" name="Title 1">
             <a:extLst>
               <a:ext uri="{FF2B5EF4-FFF2-40B4-BE49-F238E27FC236}">
-                <a16:creationId xmlns:a16="http://schemas.microsoft.com/office/drawing/2014/main" id="{719E9083-9C4C-8C8E-C694-27578539EB83}"/>
+                <a16:creationId xmlns:a16="http://schemas.microsoft.com/office/drawing/2014/main" id="{FE54F56D-8F42-4AD5-A8DC-49521D006E75}"/>
               </a:ext>
             </a:extLst>
           </p:cNvPr>
@@ -4930,80 +4971,274 @@
           <a:p>
             <a:r>
               <a:rPr lang="en-US" dirty="0"/>
-              <a:t>Oh </a:t>
-            </a:r>
-            <a:r>
-              <a:rPr lang="en-US" dirty="0" err="1"/>
-              <a:t>Ildasm</a:t>
-            </a:r>
-            <a:endParaRPr lang="en-US" dirty="0"/>
-          </a:p>
-        </p:txBody>
-      </p:sp>
-      <p:pic>
-        <p:nvPicPr>
-          <p:cNvPr id="4" name="Picture 3">
+              <a:t>Diagram from GO4 Ignore the concrete parts</a:t>
+            </a:r>
+          </a:p>
+        </p:txBody>
+      </p:sp>
+      <p:sp>
+        <p:nvSpPr>
+          <p:cNvPr id="4" name="Rectangle 3">
             <a:extLst>
               <a:ext uri="{FF2B5EF4-FFF2-40B4-BE49-F238E27FC236}">
-                <a16:creationId xmlns:a16="http://schemas.microsoft.com/office/drawing/2014/main" id="{1D417E0B-B4C2-D731-E44E-E66227E4A9C1}"/>
+                <a16:creationId xmlns:a16="http://schemas.microsoft.com/office/drawing/2014/main" id="{F0650014-6E69-FDE7-5749-5225F9467C43}"/>
               </a:ext>
             </a:extLst>
           </p:cNvPr>
-          <p:cNvPicPr>
-            <a:picLocks noChangeAspect="1"/>
-          </p:cNvPicPr>
+          <p:cNvSpPr/>
           <p:nvPr/>
-        </p:nvPicPr>
-        <p:blipFill>
-          <a:blip r:embed="rId2"/>
-          <a:stretch>
-            <a:fillRect/>
-          </a:stretch>
-        </p:blipFill>
+        </p:nvSpPr>
         <p:spPr>
           <a:xfrm>
-            <a:off x="1635707" y="2764004"/>
-            <a:ext cx="4103887" cy="2906920"/>
+            <a:off x="554326" y="1615597"/>
+            <a:ext cx="2359436" cy="1028108"/>
           </a:xfrm>
           <a:prstGeom prst="rect">
             <a:avLst/>
           </a:prstGeom>
         </p:spPr>
-      </p:pic>
-      <p:pic>
-        <p:nvPicPr>
-          <p:cNvPr id="5" name="Picture 4">
+        <p:style>
+          <a:lnRef idx="2">
+            <a:schemeClr val="accent1">
+              <a:shade val="50000"/>
+            </a:schemeClr>
+          </a:lnRef>
+          <a:fillRef idx="1">
+            <a:schemeClr val="accent1"/>
+          </a:fillRef>
+          <a:effectRef idx="0">
+            <a:schemeClr val="accent1"/>
+          </a:effectRef>
+          <a:fontRef idx="minor">
+            <a:schemeClr val="lt1"/>
+          </a:fontRef>
+        </p:style>
+        <p:txBody>
+          <a:bodyPr rtlCol="0" anchor="ctr"/>
+          <a:lstStyle/>
+          <a:p>
+            <a:pPr algn="ctr"/>
+            <a:r>
+              <a:rPr lang="en-US" dirty="0"/>
+              <a:t>Subject</a:t>
+            </a:r>
+          </a:p>
+        </p:txBody>
+      </p:sp>
+      <p:sp>
+        <p:nvSpPr>
+          <p:cNvPr id="5" name="Rectangle 4">
             <a:extLst>
               <a:ext uri="{FF2B5EF4-FFF2-40B4-BE49-F238E27FC236}">
-                <a16:creationId xmlns:a16="http://schemas.microsoft.com/office/drawing/2014/main" id="{AD36CB45-0256-79EA-D0E6-93944259493C}"/>
+                <a16:creationId xmlns:a16="http://schemas.microsoft.com/office/drawing/2014/main" id="{BE4EC0D4-36EA-9879-F990-6E4312807217}"/>
               </a:ext>
             </a:extLst>
           </p:cNvPr>
-          <p:cNvPicPr>
-            <a:picLocks noChangeAspect="1"/>
-          </p:cNvPicPr>
+          <p:cNvSpPr/>
           <p:nvPr/>
-        </p:nvPicPr>
-        <p:blipFill>
-          <a:blip r:embed="rId3"/>
-          <a:stretch>
-            <a:fillRect/>
-          </a:stretch>
-        </p:blipFill>
+        </p:nvSpPr>
         <p:spPr>
           <a:xfrm>
-            <a:off x="6592458" y="2591927"/>
-            <a:ext cx="4194266" cy="3078997"/>
+            <a:off x="554326" y="2643705"/>
+            <a:ext cx="2359436" cy="1028108"/>
           </a:xfrm>
           <a:prstGeom prst="rect">
             <a:avLst/>
           </a:prstGeom>
         </p:spPr>
-      </p:pic>
+        <p:style>
+          <a:lnRef idx="2">
+            <a:schemeClr val="accent1">
+              <a:shade val="50000"/>
+            </a:schemeClr>
+          </a:lnRef>
+          <a:fillRef idx="1">
+            <a:schemeClr val="accent1"/>
+          </a:fillRef>
+          <a:effectRef idx="0">
+            <a:schemeClr val="accent1"/>
+          </a:effectRef>
+          <a:fontRef idx="minor">
+            <a:schemeClr val="lt1"/>
+          </a:fontRef>
+        </p:style>
+        <p:txBody>
+          <a:bodyPr rtlCol="0" anchor="ctr"/>
+          <a:lstStyle/>
+          <a:p>
+            <a:pPr algn="ctr"/>
+            <a:r>
+              <a:rPr lang="en-US" dirty="0"/>
+              <a:t>Attach(observer)</a:t>
+            </a:r>
+            <a:br>
+              <a:rPr lang="en-US" dirty="0"/>
+            </a:br>
+            <a:r>
+              <a:rPr lang="en-US" dirty="0"/>
+              <a:t>Detach(observer)</a:t>
+            </a:r>
+            <a:br>
+              <a:rPr lang="en-US" dirty="0"/>
+            </a:br>
+            <a:r>
+              <a:rPr lang="en-US" dirty="0"/>
+              <a:t>Notify()</a:t>
+            </a:r>
+          </a:p>
+        </p:txBody>
+      </p:sp>
+      <p:sp>
+        <p:nvSpPr>
+          <p:cNvPr id="6" name="Rectangle 5">
+            <a:extLst>
+              <a:ext uri="{FF2B5EF4-FFF2-40B4-BE49-F238E27FC236}">
+                <a16:creationId xmlns:a16="http://schemas.microsoft.com/office/drawing/2014/main" id="{7828496F-3FAB-8737-2944-2B02819BE30D}"/>
+              </a:ext>
+            </a:extLst>
+          </p:cNvPr>
+          <p:cNvSpPr/>
+          <p:nvPr/>
+        </p:nvSpPr>
+        <p:spPr>
+          <a:xfrm>
+            <a:off x="4402229" y="2729775"/>
+            <a:ext cx="2359436" cy="1028108"/>
+          </a:xfrm>
+          <a:prstGeom prst="rect">
+            <a:avLst/>
+          </a:prstGeom>
+        </p:spPr>
+        <p:style>
+          <a:lnRef idx="2">
+            <a:schemeClr val="accent1">
+              <a:shade val="50000"/>
+            </a:schemeClr>
+          </a:lnRef>
+          <a:fillRef idx="1">
+            <a:schemeClr val="accent1"/>
+          </a:fillRef>
+          <a:effectRef idx="0">
+            <a:schemeClr val="accent1"/>
+          </a:effectRef>
+          <a:fontRef idx="minor">
+            <a:schemeClr val="lt1"/>
+          </a:fontRef>
+        </p:style>
+        <p:txBody>
+          <a:bodyPr rtlCol="0" anchor="ctr"/>
+          <a:lstStyle/>
+          <a:p>
+            <a:pPr algn="ctr"/>
+            <a:r>
+              <a:rPr lang="en-US" dirty="0"/>
+              <a:t>For All observers, o-&gt; update</a:t>
+            </a:r>
+          </a:p>
+        </p:txBody>
+      </p:sp>
+      <p:sp>
+        <p:nvSpPr>
+          <p:cNvPr id="7" name="Rectangle 6">
+            <a:extLst>
+              <a:ext uri="{FF2B5EF4-FFF2-40B4-BE49-F238E27FC236}">
+                <a16:creationId xmlns:a16="http://schemas.microsoft.com/office/drawing/2014/main" id="{03978A70-1FCB-DB17-1A9E-4C8D5EB02D29}"/>
+              </a:ext>
+            </a:extLst>
+          </p:cNvPr>
+          <p:cNvSpPr/>
+          <p:nvPr/>
+        </p:nvSpPr>
+        <p:spPr>
+          <a:xfrm>
+            <a:off x="7984023" y="1351069"/>
+            <a:ext cx="2359436" cy="1028108"/>
+          </a:xfrm>
+          <a:prstGeom prst="rect">
+            <a:avLst/>
+          </a:prstGeom>
+        </p:spPr>
+        <p:style>
+          <a:lnRef idx="2">
+            <a:schemeClr val="accent1">
+              <a:shade val="50000"/>
+            </a:schemeClr>
+          </a:lnRef>
+          <a:fillRef idx="1">
+            <a:schemeClr val="accent1"/>
+          </a:fillRef>
+          <a:effectRef idx="0">
+            <a:schemeClr val="accent1"/>
+          </a:effectRef>
+          <a:fontRef idx="minor">
+            <a:schemeClr val="lt1"/>
+          </a:fontRef>
+        </p:style>
+        <p:txBody>
+          <a:bodyPr rtlCol="0" anchor="ctr"/>
+          <a:lstStyle/>
+          <a:p>
+            <a:pPr algn="ctr"/>
+            <a:r>
+              <a:rPr lang="en-US" dirty="0"/>
+              <a:t>Observer</a:t>
+            </a:r>
+          </a:p>
+        </p:txBody>
+      </p:sp>
+      <p:sp>
+        <p:nvSpPr>
+          <p:cNvPr id="8" name="Rectangle 7">
+            <a:extLst>
+              <a:ext uri="{FF2B5EF4-FFF2-40B4-BE49-F238E27FC236}">
+                <a16:creationId xmlns:a16="http://schemas.microsoft.com/office/drawing/2014/main" id="{438E7477-4FC7-954A-8B1A-7E4EE67C722F}"/>
+              </a:ext>
+            </a:extLst>
+          </p:cNvPr>
+          <p:cNvSpPr/>
+          <p:nvPr/>
+        </p:nvSpPr>
+        <p:spPr>
+          <a:xfrm>
+            <a:off x="7984023" y="2382335"/>
+            <a:ext cx="2359436" cy="1028108"/>
+          </a:xfrm>
+          <a:prstGeom prst="rect">
+            <a:avLst/>
+          </a:prstGeom>
+        </p:spPr>
+        <p:style>
+          <a:lnRef idx="2">
+            <a:schemeClr val="accent1">
+              <a:shade val="50000"/>
+            </a:schemeClr>
+          </a:lnRef>
+          <a:fillRef idx="1">
+            <a:schemeClr val="accent1"/>
+          </a:fillRef>
+          <a:effectRef idx="0">
+            <a:schemeClr val="accent1"/>
+          </a:effectRef>
+          <a:fontRef idx="minor">
+            <a:schemeClr val="lt1"/>
+          </a:fontRef>
+        </p:style>
+        <p:txBody>
+          <a:bodyPr rtlCol="0" anchor="ctr"/>
+          <a:lstStyle/>
+          <a:p>
+            <a:pPr algn="ctr"/>
+            <a:r>
+              <a:rPr lang="en-US" dirty="0"/>
+              <a:t>Update</a:t>
+            </a:r>
+          </a:p>
+        </p:txBody>
+      </p:sp>
     </p:spTree>
     <p:extLst>
       <p:ext uri="{BB962C8B-B14F-4D97-AF65-F5344CB8AC3E}">
-        <p14:creationId xmlns:p14="http://schemas.microsoft.com/office/powerpoint/2010/main" val="907062497"/>
+        <p14:creationId xmlns:p14="http://schemas.microsoft.com/office/powerpoint/2010/main" val="1462794056"/>
       </p:ext>
     </p:extLst>
   </p:cSld>
@@ -5035,7 +5270,7 @@
           <p:cNvPr id="2" name="Title 1">
             <a:extLst>
               <a:ext uri="{FF2B5EF4-FFF2-40B4-BE49-F238E27FC236}">
-                <a16:creationId xmlns:a16="http://schemas.microsoft.com/office/drawing/2014/main" id="{6CC4E411-9B4A-D687-AB8C-D549324F5734}"/>
+                <a16:creationId xmlns:a16="http://schemas.microsoft.com/office/drawing/2014/main" id="{7F074C8D-6960-6349-A149-41AE9944DE39}"/>
               </a:ext>
             </a:extLst>
           </p:cNvPr>
@@ -5053,15 +5288,7 @@
           <a:p>
             <a:r>
               <a:rPr lang="en-US" dirty="0"/>
-              <a:t>It’s called event’s </a:t>
-            </a:r>
-            <a:r>
-              <a:rPr lang="en-US" dirty="0" err="1"/>
-              <a:t>aint</a:t>
-            </a:r>
-            <a:r>
-              <a:rPr lang="en-US" dirty="0"/>
-              <a:t> it</a:t>
+              <a:t>What is a delegate in simple terms</a:t>
             </a:r>
           </a:p>
         </p:txBody>
@@ -5071,7 +5298,7 @@
           <p:cNvPr id="3" name="Content Placeholder 2">
             <a:extLst>
               <a:ext uri="{FF2B5EF4-FFF2-40B4-BE49-F238E27FC236}">
-                <a16:creationId xmlns:a16="http://schemas.microsoft.com/office/drawing/2014/main" id="{FEBB577B-D02B-3B6B-BB4B-7ED2E221745F}"/>
+                <a16:creationId xmlns:a16="http://schemas.microsoft.com/office/drawing/2014/main" id="{2FEDB25D-4842-A847-F204-6382884E7285}"/>
               </a:ext>
             </a:extLst>
           </p:cNvPr>
@@ -5089,56 +5316,15 @@
           <a:p>
             <a:r>
               <a:rPr lang="en-US" dirty="0"/>
-              <a:t>Create a class that’s got an </a:t>
-            </a:r>
-            <a:r>
-              <a:rPr lang="en-US" dirty="0" err="1"/>
-              <a:t>envent</a:t>
-            </a:r>
-            <a:endParaRPr lang="en-US" dirty="0"/>
-          </a:p>
-          <a:p>
-            <a:r>
-              <a:rPr lang="en-US" dirty="0"/>
-              <a:t>What should the visibility of that member be?</a:t>
-            </a:r>
-          </a:p>
-        </p:txBody>
-      </p:sp>
-      <p:pic>
-        <p:nvPicPr>
-          <p:cNvPr id="5" name="Picture 4">
-            <a:extLst>
-              <a:ext uri="{FF2B5EF4-FFF2-40B4-BE49-F238E27FC236}">
-                <a16:creationId xmlns:a16="http://schemas.microsoft.com/office/drawing/2014/main" id="{14AF3856-B1C6-D4F5-9606-A9335C37E04E}"/>
-              </a:ext>
-            </a:extLst>
-          </p:cNvPr>
-          <p:cNvPicPr>
-            <a:picLocks noChangeAspect="1"/>
-          </p:cNvPicPr>
-          <p:nvPr/>
-        </p:nvPicPr>
-        <p:blipFill>
-          <a:blip r:embed="rId2"/>
-          <a:stretch>
-            <a:fillRect/>
-          </a:stretch>
-        </p:blipFill>
-        <p:spPr>
-          <a:xfrm>
-            <a:off x="1271956" y="3370444"/>
-            <a:ext cx="5982535" cy="2343477"/>
-          </a:xfrm>
-          <a:prstGeom prst="rect">
-            <a:avLst/>
-          </a:prstGeom>
-        </p:spPr>
-      </p:pic>
+              <a:t>Basically a type safe function pointer</a:t>
+            </a:r>
+          </a:p>
+        </p:txBody>
+      </p:sp>
     </p:spTree>
     <p:extLst>
       <p:ext uri="{BB962C8B-B14F-4D97-AF65-F5344CB8AC3E}">
-        <p14:creationId xmlns:p14="http://schemas.microsoft.com/office/powerpoint/2010/main" val="1675674996"/>
+        <p14:creationId xmlns:p14="http://schemas.microsoft.com/office/powerpoint/2010/main" val="2887983397"/>
       </p:ext>
     </p:extLst>
   </p:cSld>

--- a/CLR_via_CSharp/Chapter 11 - Events/Events.pptx
+++ b/CLR_via_CSharp/Chapter 11 - Events/Events.pptx
@@ -11,11 +11,12 @@
     <p:sldId id="258" r:id="rId5"/>
     <p:sldId id="259" r:id="rId6"/>
     <p:sldId id="260" r:id="rId7"/>
-    <p:sldId id="265" r:id="rId8"/>
-    <p:sldId id="266" r:id="rId9"/>
-    <p:sldId id="267" r:id="rId10"/>
-    <p:sldId id="264" r:id="rId11"/>
-    <p:sldId id="269" r:id="rId12"/>
+    <p:sldId id="266" r:id="rId8"/>
+    <p:sldId id="267" r:id="rId9"/>
+    <p:sldId id="271" r:id="rId10"/>
+    <p:sldId id="270" r:id="rId11"/>
+    <p:sldId id="264" r:id="rId12"/>
+    <p:sldId id="269" r:id="rId13"/>
   </p:sldIdLst>
   <p:sldSz cx="12192000" cy="6858000"/>
   <p:notesSz cx="6858000" cy="9144000"/>
@@ -125,9 +126,10 @@
             <p14:sldId id="258"/>
             <p14:sldId id="259"/>
             <p14:sldId id="260"/>
-            <p14:sldId id="265"/>
             <p14:sldId id="266"/>
             <p14:sldId id="267"/>
+            <p14:sldId id="271"/>
+            <p14:sldId id="270"/>
             <p14:sldId id="264"/>
             <p14:sldId id="269"/>
           </p14:sldIdLst>
@@ -275,7 +277,7 @@
           <a:p>
             <a:fld id="{B848D08C-1D48-4FF5-B052-B49761164EE0}" type="datetimeFigureOut">
               <a:rPr lang="en-US" smtClean="0"/>
-              <a:t>9/29/2022</a:t>
+              <a:t>9/30/2022</a:t>
             </a:fld>
             <a:endParaRPr lang="en-US"/>
           </a:p>
@@ -445,7 +447,7 @@
           <a:p>
             <a:fld id="{B848D08C-1D48-4FF5-B052-B49761164EE0}" type="datetimeFigureOut">
               <a:rPr lang="en-US" smtClean="0"/>
-              <a:t>9/29/2022</a:t>
+              <a:t>9/30/2022</a:t>
             </a:fld>
             <a:endParaRPr lang="en-US"/>
           </a:p>
@@ -625,7 +627,7 @@
           <a:p>
             <a:fld id="{B848D08C-1D48-4FF5-B052-B49761164EE0}" type="datetimeFigureOut">
               <a:rPr lang="en-US" smtClean="0"/>
-              <a:t>9/29/2022</a:t>
+              <a:t>9/30/2022</a:t>
             </a:fld>
             <a:endParaRPr lang="en-US"/>
           </a:p>
@@ -795,7 +797,7 @@
           <a:p>
             <a:fld id="{B848D08C-1D48-4FF5-B052-B49761164EE0}" type="datetimeFigureOut">
               <a:rPr lang="en-US" smtClean="0"/>
-              <a:t>9/29/2022</a:t>
+              <a:t>9/30/2022</a:t>
             </a:fld>
             <a:endParaRPr lang="en-US"/>
           </a:p>
@@ -1041,7 +1043,7 @@
           <a:p>
             <a:fld id="{B848D08C-1D48-4FF5-B052-B49761164EE0}" type="datetimeFigureOut">
               <a:rPr lang="en-US" smtClean="0"/>
-              <a:t>9/29/2022</a:t>
+              <a:t>9/30/2022</a:t>
             </a:fld>
             <a:endParaRPr lang="en-US"/>
           </a:p>
@@ -1273,7 +1275,7 @@
           <a:p>
             <a:fld id="{B848D08C-1D48-4FF5-B052-B49761164EE0}" type="datetimeFigureOut">
               <a:rPr lang="en-US" smtClean="0"/>
-              <a:t>9/29/2022</a:t>
+              <a:t>9/30/2022</a:t>
             </a:fld>
             <a:endParaRPr lang="en-US"/>
           </a:p>
@@ -1640,7 +1642,7 @@
           <a:p>
             <a:fld id="{B848D08C-1D48-4FF5-B052-B49761164EE0}" type="datetimeFigureOut">
               <a:rPr lang="en-US" smtClean="0"/>
-              <a:t>9/29/2022</a:t>
+              <a:t>9/30/2022</a:t>
             </a:fld>
             <a:endParaRPr lang="en-US"/>
           </a:p>
@@ -1758,7 +1760,7 @@
           <a:p>
             <a:fld id="{B848D08C-1D48-4FF5-B052-B49761164EE0}" type="datetimeFigureOut">
               <a:rPr lang="en-US" smtClean="0"/>
-              <a:t>9/29/2022</a:t>
+              <a:t>9/30/2022</a:t>
             </a:fld>
             <a:endParaRPr lang="en-US"/>
           </a:p>
@@ -1853,7 +1855,7 @@
           <a:p>
             <a:fld id="{B848D08C-1D48-4FF5-B052-B49761164EE0}" type="datetimeFigureOut">
               <a:rPr lang="en-US" smtClean="0"/>
-              <a:t>9/29/2022</a:t>
+              <a:t>9/30/2022</a:t>
             </a:fld>
             <a:endParaRPr lang="en-US"/>
           </a:p>
@@ -2130,7 +2132,7 @@
           <a:p>
             <a:fld id="{B848D08C-1D48-4FF5-B052-B49761164EE0}" type="datetimeFigureOut">
               <a:rPr lang="en-US" smtClean="0"/>
-              <a:t>9/29/2022</a:t>
+              <a:t>9/30/2022</a:t>
             </a:fld>
             <a:endParaRPr lang="en-US"/>
           </a:p>
@@ -2387,7 +2389,7 @@
           <a:p>
             <a:fld id="{B848D08C-1D48-4FF5-B052-B49761164EE0}" type="datetimeFigureOut">
               <a:rPr lang="en-US" smtClean="0"/>
-              <a:t>9/29/2022</a:t>
+              <a:t>9/30/2022</a:t>
             </a:fld>
             <a:endParaRPr lang="en-US"/>
           </a:p>
@@ -2600,7 +2602,7 @@
           <a:p>
             <a:fld id="{B848D08C-1D48-4FF5-B052-B49761164EE0}" type="datetimeFigureOut">
               <a:rPr lang="en-US" smtClean="0"/>
-              <a:t>9/29/2022</a:t>
+              <a:t>9/30/2022</a:t>
             </a:fld>
             <a:endParaRPr lang="en-US"/>
           </a:p>
@@ -3096,6 +3098,101 @@
           <p:cNvPr id="2" name="Title 1">
             <a:extLst>
               <a:ext uri="{FF2B5EF4-FFF2-40B4-BE49-F238E27FC236}">
+                <a16:creationId xmlns:a16="http://schemas.microsoft.com/office/drawing/2014/main" id="{FA3993BA-CB21-1D8E-6CCB-3663141475D0}"/>
+              </a:ext>
+            </a:extLst>
+          </p:cNvPr>
+          <p:cNvSpPr>
+            <a:spLocks noGrp="1"/>
+          </p:cNvSpPr>
+          <p:nvPr>
+            <p:ph type="title"/>
+          </p:nvPr>
+        </p:nvSpPr>
+        <p:spPr/>
+        <p:txBody>
+          <a:bodyPr/>
+          <a:lstStyle/>
+          <a:p>
+            <a:r>
+              <a:rPr lang="en-US" dirty="0"/>
+              <a:t>Let’s look at Jeffrey’s code</a:t>
+            </a:r>
+          </a:p>
+        </p:txBody>
+      </p:sp>
+      <p:sp>
+        <p:nvSpPr>
+          <p:cNvPr id="3" name="Content Placeholder 2">
+            <a:extLst>
+              <a:ext uri="{FF2B5EF4-FFF2-40B4-BE49-F238E27FC236}">
+                <a16:creationId xmlns:a16="http://schemas.microsoft.com/office/drawing/2014/main" id="{7428886A-39B3-5809-2206-E6422724CEFB}"/>
+              </a:ext>
+            </a:extLst>
+          </p:cNvPr>
+          <p:cNvSpPr>
+            <a:spLocks noGrp="1"/>
+          </p:cNvSpPr>
+          <p:nvPr>
+            <p:ph idx="1"/>
+          </p:nvPr>
+        </p:nvSpPr>
+        <p:spPr/>
+        <p:txBody>
+          <a:bodyPr/>
+          <a:lstStyle/>
+          <a:p>
+            <a:pPr marL="0" indent="0">
+              <a:buNone/>
+            </a:pPr>
+            <a:r>
+              <a:rPr lang="en-US" dirty="0"/>
+              <a:t>* He added tons of comments/things that are honestly beyond me, so I have a ‘cleaned’ version</a:t>
+            </a:r>
+          </a:p>
+          <a:p>
+            <a:pPr marL="0" indent="0">
+              <a:buNone/>
+            </a:pPr>
+            <a:endParaRPr lang="en-US" dirty="0"/>
+          </a:p>
+        </p:txBody>
+      </p:sp>
+    </p:spTree>
+    <p:extLst>
+      <p:ext uri="{BB962C8B-B14F-4D97-AF65-F5344CB8AC3E}">
+        <p14:creationId xmlns:p14="http://schemas.microsoft.com/office/powerpoint/2010/main" val="4121279463"/>
+      </p:ext>
+    </p:extLst>
+  </p:cSld>
+  <p:clrMapOvr>
+    <a:masterClrMapping/>
+  </p:clrMapOvr>
+</p:sld>
+</file>
+
+<file path=ppt/slides/slide11.xml><?xml version="1.0" encoding="utf-8"?>
+<p:sld xmlns:a="http://schemas.openxmlformats.org/drawingml/2006/main" xmlns:r="http://schemas.openxmlformats.org/officeDocument/2006/relationships" xmlns:p="http://schemas.openxmlformats.org/presentationml/2006/main">
+  <p:cSld>
+    <p:spTree>
+      <p:nvGrpSpPr>
+        <p:cNvPr id="1" name=""/>
+        <p:cNvGrpSpPr/>
+        <p:nvPr/>
+      </p:nvGrpSpPr>
+      <p:grpSpPr>
+        <a:xfrm>
+          <a:off x="0" y="0"/>
+          <a:ext cx="0" cy="0"/>
+          <a:chOff x="0" y="0"/>
+          <a:chExt cx="0" cy="0"/>
+        </a:xfrm>
+      </p:grpSpPr>
+      <p:sp>
+        <p:nvSpPr>
+          <p:cNvPr id="2" name="Title 1">
+            <a:extLst>
+              <a:ext uri="{FF2B5EF4-FFF2-40B4-BE49-F238E27FC236}">
                 <a16:creationId xmlns:a16="http://schemas.microsoft.com/office/drawing/2014/main" id="{74FBB2A6-AF56-647F-ECF7-329110E5945F}"/>
               </a:ext>
             </a:extLst>
@@ -3196,7 +3293,7 @@
 </p:sld>
 </file>
 
-<file path=ppt/slides/slide11.xml><?xml version="1.0" encoding="utf-8"?>
+<file path=ppt/slides/slide12.xml><?xml version="1.0" encoding="utf-8"?>
 <p:sld xmlns:a="http://schemas.openxmlformats.org/drawingml/2006/main" xmlns:r="http://schemas.openxmlformats.org/officeDocument/2006/relationships" xmlns:p="http://schemas.openxmlformats.org/presentationml/2006/main">
   <p:cSld>
     <p:spTree>
@@ -3358,7 +3455,7 @@
             </a:r>
             <a:r>
               <a:rPr lang="en-US" dirty="0"/>
-              <a:t> properties</a:t>
+              <a:t> properties for anonymous classes</a:t>
             </a:r>
           </a:p>
           <a:p>
@@ -3387,7 +3484,7 @@
             </a:pPr>
             <a:r>
               <a:rPr lang="en-US" dirty="0"/>
-              <a:t>-- what level do anonymous types get disambiguated at</a:t>
+              <a:t>-- what level do anonymous types get disambiguated at/how visible are they</a:t>
             </a:r>
           </a:p>
           <a:p>
@@ -3516,6 +3613,24 @@
             <a:r>
               <a:rPr lang="en-US" dirty="0"/>
               <a:t>Jeffrey 1 – Srikar 0</a:t>
+            </a:r>
+          </a:p>
+          <a:p>
+            <a:pPr marL="514350" indent="-514350">
+              <a:buAutoNum type="arabicPeriod"/>
+            </a:pPr>
+            <a:r>
+              <a:rPr lang="en-US" dirty="0"/>
+              <a:t>Goal is always to get you to be able to figure out the rest</a:t>
+            </a:r>
+          </a:p>
+          <a:p>
+            <a:pPr marL="971550" lvl="1" indent="-514350">
+              <a:buAutoNum type="arabicPeriod"/>
+            </a:pPr>
+            <a:r>
+              <a:rPr lang="en-US" dirty="0"/>
+              <a:t>So we’re going to just locally create a working version of what’s in the book</a:t>
             </a:r>
           </a:p>
         </p:txBody>
@@ -3988,7 +4103,7 @@
             <a:pPr algn="ctr"/>
             <a:r>
               <a:rPr lang="en-US" dirty="0"/>
-              <a:t>Email</a:t>
+              <a:t>Resident’s Email</a:t>
             </a:r>
           </a:p>
         </p:txBody>
@@ -4832,6 +4947,57 @@
           </a:p>
         </p:txBody>
       </p:sp>
+      <p:sp>
+        <p:nvSpPr>
+          <p:cNvPr id="10" name="Rectangle 9">
+            <a:extLst>
+              <a:ext uri="{FF2B5EF4-FFF2-40B4-BE49-F238E27FC236}">
+                <a16:creationId xmlns:a16="http://schemas.microsoft.com/office/drawing/2014/main" id="{D7AE9991-7CDB-0E03-69E7-D85E4D27672C}"/>
+              </a:ext>
+            </a:extLst>
+          </p:cNvPr>
+          <p:cNvSpPr/>
+          <p:nvPr/>
+        </p:nvSpPr>
+        <p:spPr>
+          <a:xfrm>
+            <a:off x="3010424" y="1822585"/>
+            <a:ext cx="1880484" cy="830912"/>
+          </a:xfrm>
+          <a:prstGeom prst="rect">
+            <a:avLst/>
+          </a:prstGeom>
+          <a:noFill/>
+          <a:ln>
+            <a:noFill/>
+          </a:ln>
+        </p:spPr>
+        <p:style>
+          <a:lnRef idx="0">
+            <a:scrgbClr r="0" g="0" b="0"/>
+          </a:lnRef>
+          <a:fillRef idx="0">
+            <a:scrgbClr r="0" g="0" b="0"/>
+          </a:fillRef>
+          <a:effectRef idx="0">
+            <a:scrgbClr r="0" g="0" b="0"/>
+          </a:effectRef>
+          <a:fontRef idx="minor">
+            <a:schemeClr val="accent4"/>
+          </a:fontRef>
+        </p:style>
+        <p:txBody>
+          <a:bodyPr rtlCol="0" anchor="ctr"/>
+          <a:lstStyle/>
+          <a:p>
+            <a:pPr algn="ctr"/>
+            <a:r>
+              <a:rPr lang="en-US" dirty="0"/>
+              <a:t>How do you sign up?</a:t>
+            </a:r>
+          </a:p>
+        </p:txBody>
+      </p:sp>
     </p:spTree>
     <p:extLst>
       <p:ext uri="{BB962C8B-B14F-4D97-AF65-F5344CB8AC3E}">
@@ -4867,7 +5033,7 @@
           <p:cNvPr id="2" name="Title 1">
             <a:extLst>
               <a:ext uri="{FF2B5EF4-FFF2-40B4-BE49-F238E27FC236}">
-                <a16:creationId xmlns:a16="http://schemas.microsoft.com/office/drawing/2014/main" id="{D08DD0C8-E388-3D88-DDFF-7F2E76B4E393}"/>
+                <a16:creationId xmlns:a16="http://schemas.microsoft.com/office/drawing/2014/main" id="{FE54F56D-8F42-4AD5-A8DC-49521D006E75}"/>
               </a:ext>
             </a:extLst>
           </p:cNvPr>
@@ -4885,43 +5051,62 @@
           <a:p>
             <a:r>
               <a:rPr lang="en-US" dirty="0"/>
-              <a:t>Observer Pattern</a:t>
-            </a:r>
-          </a:p>
-        </p:txBody>
-      </p:sp>
-      <p:sp>
-        <p:nvSpPr>
-          <p:cNvPr id="3" name="Content Placeholder 2">
+              <a:t>Diagram from GO4. We’re going to do the ‘concrete’ parts</a:t>
+            </a:r>
+          </a:p>
+        </p:txBody>
+      </p:sp>
+      <p:pic>
+        <p:nvPicPr>
+          <p:cNvPr id="1026" name="Picture 2" descr="See the source image">
             <a:extLst>
               <a:ext uri="{FF2B5EF4-FFF2-40B4-BE49-F238E27FC236}">
-                <a16:creationId xmlns:a16="http://schemas.microsoft.com/office/drawing/2014/main" id="{BBF60019-D7A8-C753-73D1-1C80277E200A}"/>
+                <a16:creationId xmlns:a16="http://schemas.microsoft.com/office/drawing/2014/main" id="{673F0593-F04C-FAC5-8501-47C83546B8FA}"/>
               </a:ext>
             </a:extLst>
           </p:cNvPr>
-          <p:cNvSpPr>
-            <a:spLocks noGrp="1"/>
-          </p:cNvSpPr>
-          <p:nvPr>
-            <p:ph idx="1"/>
-          </p:nvPr>
-        </p:nvSpPr>
-        <p:spPr/>
-        <p:txBody>
-          <a:bodyPr/>
-          <a:lstStyle/>
-          <a:p>
-            <a:r>
-              <a:rPr lang="en-US" dirty="0"/>
-              <a:t>This is a direct implementation of the Observer pattern. Maybe Tate will say, “This guy Jeff covered it” and skip it</a:t>
-            </a:r>
-          </a:p>
-        </p:txBody>
-      </p:sp>
+          <p:cNvPicPr>
+            <a:picLocks noChangeAspect="1" noChangeArrowheads="1"/>
+          </p:cNvPicPr>
+          <p:nvPr/>
+        </p:nvPicPr>
+        <p:blipFill>
+          <a:blip r:embed="rId2">
+            <a:extLst>
+              <a:ext uri="{28A0092B-C50C-407E-A947-70E740481C1C}">
+                <a14:useLocalDpi xmlns:a14="http://schemas.microsoft.com/office/drawing/2010/main" val="0"/>
+              </a:ext>
+            </a:extLst>
+          </a:blip>
+          <a:srcRect/>
+          <a:stretch>
+            <a:fillRect/>
+          </a:stretch>
+        </p:blipFill>
+        <p:spPr bwMode="auto">
+          <a:xfrm>
+            <a:off x="4114800" y="1938338"/>
+            <a:ext cx="3962400" cy="2981325"/>
+          </a:xfrm>
+          <a:prstGeom prst="rect">
+            <a:avLst/>
+          </a:prstGeom>
+          <a:noFill/>
+          <a:extLst>
+            <a:ext uri="{909E8E84-426E-40DD-AFC4-6F175D3DCCD1}">
+              <a14:hiddenFill xmlns:a14="http://schemas.microsoft.com/office/drawing/2010/main">
+                <a:solidFill>
+                  <a:srgbClr val="FFFFFF"/>
+                </a:solidFill>
+              </a14:hiddenFill>
+            </a:ext>
+          </a:extLst>
+        </p:spPr>
+      </p:pic>
     </p:spTree>
     <p:extLst>
       <p:ext uri="{BB962C8B-B14F-4D97-AF65-F5344CB8AC3E}">
-        <p14:creationId xmlns:p14="http://schemas.microsoft.com/office/powerpoint/2010/main" val="3209042868"/>
+        <p14:creationId xmlns:p14="http://schemas.microsoft.com/office/powerpoint/2010/main" val="1462794056"/>
       </p:ext>
     </p:extLst>
   </p:cSld>
@@ -4953,7 +5138,7 @@
           <p:cNvPr id="2" name="Title 1">
             <a:extLst>
               <a:ext uri="{FF2B5EF4-FFF2-40B4-BE49-F238E27FC236}">
-                <a16:creationId xmlns:a16="http://schemas.microsoft.com/office/drawing/2014/main" id="{FE54F56D-8F42-4AD5-A8DC-49521D006E75}"/>
+                <a16:creationId xmlns:a16="http://schemas.microsoft.com/office/drawing/2014/main" id="{7F074C8D-6960-6349-A149-41AE9944DE39}"/>
               </a:ext>
             </a:extLst>
           </p:cNvPr>
@@ -4971,266 +5156,48 @@
           <a:p>
             <a:r>
               <a:rPr lang="en-US" dirty="0"/>
-              <a:t>Diagram from GO4 Ignore the concrete parts</a:t>
-            </a:r>
-          </a:p>
-        </p:txBody>
-      </p:sp>
-      <p:sp>
-        <p:nvSpPr>
-          <p:cNvPr id="4" name="Rectangle 3">
+              <a:t>What is a delegate in simple terms</a:t>
+            </a:r>
+          </a:p>
+        </p:txBody>
+      </p:sp>
+      <p:sp>
+        <p:nvSpPr>
+          <p:cNvPr id="3" name="Content Placeholder 2">
             <a:extLst>
               <a:ext uri="{FF2B5EF4-FFF2-40B4-BE49-F238E27FC236}">
-                <a16:creationId xmlns:a16="http://schemas.microsoft.com/office/drawing/2014/main" id="{F0650014-6E69-FDE7-5749-5225F9467C43}"/>
+                <a16:creationId xmlns:a16="http://schemas.microsoft.com/office/drawing/2014/main" id="{2FEDB25D-4842-A847-F204-6382884E7285}"/>
               </a:ext>
             </a:extLst>
           </p:cNvPr>
-          <p:cNvSpPr/>
-          <p:nvPr/>
-        </p:nvSpPr>
-        <p:spPr>
-          <a:xfrm>
-            <a:off x="554326" y="1615597"/>
-            <a:ext cx="2359436" cy="1028108"/>
-          </a:xfrm>
-          <a:prstGeom prst="rect">
-            <a:avLst/>
-          </a:prstGeom>
-        </p:spPr>
-        <p:style>
-          <a:lnRef idx="2">
-            <a:schemeClr val="accent1">
-              <a:shade val="50000"/>
-            </a:schemeClr>
-          </a:lnRef>
-          <a:fillRef idx="1">
-            <a:schemeClr val="accent1"/>
-          </a:fillRef>
-          <a:effectRef idx="0">
-            <a:schemeClr val="accent1"/>
-          </a:effectRef>
-          <a:fontRef idx="minor">
-            <a:schemeClr val="lt1"/>
-          </a:fontRef>
-        </p:style>
-        <p:txBody>
-          <a:bodyPr rtlCol="0" anchor="ctr"/>
-          <a:lstStyle/>
-          <a:p>
-            <a:pPr algn="ctr"/>
+          <p:cNvSpPr>
+            <a:spLocks noGrp="1"/>
+          </p:cNvSpPr>
+          <p:nvPr>
+            <p:ph idx="1"/>
+          </p:nvPr>
+        </p:nvSpPr>
+        <p:spPr/>
+        <p:txBody>
+          <a:bodyPr/>
+          <a:lstStyle/>
+          <a:p>
             <a:r>
               <a:rPr lang="en-US" dirty="0"/>
-              <a:t>Subject</a:t>
-            </a:r>
-          </a:p>
-        </p:txBody>
-      </p:sp>
-      <p:sp>
-        <p:nvSpPr>
-          <p:cNvPr id="5" name="Rectangle 4">
-            <a:extLst>
-              <a:ext uri="{FF2B5EF4-FFF2-40B4-BE49-F238E27FC236}">
-                <a16:creationId xmlns:a16="http://schemas.microsoft.com/office/drawing/2014/main" id="{BE4EC0D4-36EA-9879-F990-6E4312807217}"/>
-              </a:ext>
-            </a:extLst>
-          </p:cNvPr>
-          <p:cNvSpPr/>
-          <p:nvPr/>
-        </p:nvSpPr>
-        <p:spPr>
-          <a:xfrm>
-            <a:off x="554326" y="2643705"/>
-            <a:ext cx="2359436" cy="1028108"/>
-          </a:xfrm>
-          <a:prstGeom prst="rect">
-            <a:avLst/>
-          </a:prstGeom>
-        </p:spPr>
-        <p:style>
-          <a:lnRef idx="2">
-            <a:schemeClr val="accent1">
-              <a:shade val="50000"/>
-            </a:schemeClr>
-          </a:lnRef>
-          <a:fillRef idx="1">
-            <a:schemeClr val="accent1"/>
-          </a:fillRef>
-          <a:effectRef idx="0">
-            <a:schemeClr val="accent1"/>
-          </a:effectRef>
-          <a:fontRef idx="minor">
-            <a:schemeClr val="lt1"/>
-          </a:fontRef>
-        </p:style>
-        <p:txBody>
-          <a:bodyPr rtlCol="0" anchor="ctr"/>
-          <a:lstStyle/>
-          <a:p>
-            <a:pPr algn="ctr"/>
+              <a:t>Basically a type safe function pointer</a:t>
+            </a:r>
+          </a:p>
+          <a:p>
             <a:r>
               <a:rPr lang="en-US" dirty="0"/>
-              <a:t>Attach(observer)</a:t>
-            </a:r>
-            <a:br>
+              <a:t>More specifically, a type safe reference to a function.</a:t>
+            </a:r>
+          </a:p>
+          <a:p>
+            <a:pPr lvl="1"/>
+            <a:r>
               <a:rPr lang="en-US" dirty="0"/>
-            </a:br>
-            <a:r>
-              <a:rPr lang="en-US" dirty="0"/>
-              <a:t>Detach(observer)</a:t>
-            </a:r>
-            <a:br>
-              <a:rPr lang="en-US" dirty="0"/>
-            </a:br>
-            <a:r>
-              <a:rPr lang="en-US" dirty="0"/>
-              <a:t>Notify()</a:t>
-            </a:r>
-          </a:p>
-        </p:txBody>
-      </p:sp>
-      <p:sp>
-        <p:nvSpPr>
-          <p:cNvPr id="6" name="Rectangle 5">
-            <a:extLst>
-              <a:ext uri="{FF2B5EF4-FFF2-40B4-BE49-F238E27FC236}">
-                <a16:creationId xmlns:a16="http://schemas.microsoft.com/office/drawing/2014/main" id="{7828496F-3FAB-8737-2944-2B02819BE30D}"/>
-              </a:ext>
-            </a:extLst>
-          </p:cNvPr>
-          <p:cNvSpPr/>
-          <p:nvPr/>
-        </p:nvSpPr>
-        <p:spPr>
-          <a:xfrm>
-            <a:off x="4402229" y="2729775"/>
-            <a:ext cx="2359436" cy="1028108"/>
-          </a:xfrm>
-          <a:prstGeom prst="rect">
-            <a:avLst/>
-          </a:prstGeom>
-        </p:spPr>
-        <p:style>
-          <a:lnRef idx="2">
-            <a:schemeClr val="accent1">
-              <a:shade val="50000"/>
-            </a:schemeClr>
-          </a:lnRef>
-          <a:fillRef idx="1">
-            <a:schemeClr val="accent1"/>
-          </a:fillRef>
-          <a:effectRef idx="0">
-            <a:schemeClr val="accent1"/>
-          </a:effectRef>
-          <a:fontRef idx="minor">
-            <a:schemeClr val="lt1"/>
-          </a:fontRef>
-        </p:style>
-        <p:txBody>
-          <a:bodyPr rtlCol="0" anchor="ctr"/>
-          <a:lstStyle/>
-          <a:p>
-            <a:pPr algn="ctr"/>
-            <a:r>
-              <a:rPr lang="en-US" dirty="0"/>
-              <a:t>For All observers, o-&gt; update</a:t>
-            </a:r>
-          </a:p>
-        </p:txBody>
-      </p:sp>
-      <p:sp>
-        <p:nvSpPr>
-          <p:cNvPr id="7" name="Rectangle 6">
-            <a:extLst>
-              <a:ext uri="{FF2B5EF4-FFF2-40B4-BE49-F238E27FC236}">
-                <a16:creationId xmlns:a16="http://schemas.microsoft.com/office/drawing/2014/main" id="{03978A70-1FCB-DB17-1A9E-4C8D5EB02D29}"/>
-              </a:ext>
-            </a:extLst>
-          </p:cNvPr>
-          <p:cNvSpPr/>
-          <p:nvPr/>
-        </p:nvSpPr>
-        <p:spPr>
-          <a:xfrm>
-            <a:off x="7984023" y="1351069"/>
-            <a:ext cx="2359436" cy="1028108"/>
-          </a:xfrm>
-          <a:prstGeom prst="rect">
-            <a:avLst/>
-          </a:prstGeom>
-        </p:spPr>
-        <p:style>
-          <a:lnRef idx="2">
-            <a:schemeClr val="accent1">
-              <a:shade val="50000"/>
-            </a:schemeClr>
-          </a:lnRef>
-          <a:fillRef idx="1">
-            <a:schemeClr val="accent1"/>
-          </a:fillRef>
-          <a:effectRef idx="0">
-            <a:schemeClr val="accent1"/>
-          </a:effectRef>
-          <a:fontRef idx="minor">
-            <a:schemeClr val="lt1"/>
-          </a:fontRef>
-        </p:style>
-        <p:txBody>
-          <a:bodyPr rtlCol="0" anchor="ctr"/>
-          <a:lstStyle/>
-          <a:p>
-            <a:pPr algn="ctr"/>
-            <a:r>
-              <a:rPr lang="en-US" dirty="0"/>
-              <a:t>Observer</a:t>
-            </a:r>
-          </a:p>
-        </p:txBody>
-      </p:sp>
-      <p:sp>
-        <p:nvSpPr>
-          <p:cNvPr id="8" name="Rectangle 7">
-            <a:extLst>
-              <a:ext uri="{FF2B5EF4-FFF2-40B4-BE49-F238E27FC236}">
-                <a16:creationId xmlns:a16="http://schemas.microsoft.com/office/drawing/2014/main" id="{438E7477-4FC7-954A-8B1A-7E4EE67C722F}"/>
-              </a:ext>
-            </a:extLst>
-          </p:cNvPr>
-          <p:cNvSpPr/>
-          <p:nvPr/>
-        </p:nvSpPr>
-        <p:spPr>
-          <a:xfrm>
-            <a:off x="7984023" y="2382335"/>
-            <a:ext cx="2359436" cy="1028108"/>
-          </a:xfrm>
-          <a:prstGeom prst="rect">
-            <a:avLst/>
-          </a:prstGeom>
-        </p:spPr>
-        <p:style>
-          <a:lnRef idx="2">
-            <a:schemeClr val="accent1">
-              <a:shade val="50000"/>
-            </a:schemeClr>
-          </a:lnRef>
-          <a:fillRef idx="1">
-            <a:schemeClr val="accent1"/>
-          </a:fillRef>
-          <a:effectRef idx="0">
-            <a:schemeClr val="accent1"/>
-          </a:effectRef>
-          <a:fontRef idx="minor">
-            <a:schemeClr val="lt1"/>
-          </a:fontRef>
-        </p:style>
-        <p:txBody>
-          <a:bodyPr rtlCol="0" anchor="ctr"/>
-          <a:lstStyle/>
-          <a:p>
-            <a:pPr algn="ctr"/>
-            <a:r>
-              <a:rPr lang="en-US" dirty="0"/>
-              <a:t>Update</a:t>
+              <a:t>Not the primary goal of this chapter so that’s all we’ll need.</a:t>
             </a:r>
           </a:p>
         </p:txBody>
@@ -5238,7 +5205,7 @@
     </p:spTree>
     <p:extLst>
       <p:ext uri="{BB962C8B-B14F-4D97-AF65-F5344CB8AC3E}">
-        <p14:creationId xmlns:p14="http://schemas.microsoft.com/office/powerpoint/2010/main" val="1462794056"/>
+        <p14:creationId xmlns:p14="http://schemas.microsoft.com/office/powerpoint/2010/main" val="2887983397"/>
       </p:ext>
     </p:extLst>
   </p:cSld>
@@ -5270,7 +5237,7 @@
           <p:cNvPr id="2" name="Title 1">
             <a:extLst>
               <a:ext uri="{FF2B5EF4-FFF2-40B4-BE49-F238E27FC236}">
-                <a16:creationId xmlns:a16="http://schemas.microsoft.com/office/drawing/2014/main" id="{7F074C8D-6960-6349-A149-41AE9944DE39}"/>
+                <a16:creationId xmlns:a16="http://schemas.microsoft.com/office/drawing/2014/main" id="{CFCAC273-FCA8-CFA1-B44D-ABD1016A36C8}"/>
               </a:ext>
             </a:extLst>
           </p:cNvPr>
@@ -5288,7 +5255,7 @@
           <a:p>
             <a:r>
               <a:rPr lang="en-US" dirty="0"/>
-              <a:t>What is a delegate in simple terms</a:t>
+              <a:t>Volatile</a:t>
             </a:r>
           </a:p>
         </p:txBody>
@@ -5298,7 +5265,7 @@
           <p:cNvPr id="3" name="Content Placeholder 2">
             <a:extLst>
               <a:ext uri="{FF2B5EF4-FFF2-40B4-BE49-F238E27FC236}">
-                <a16:creationId xmlns:a16="http://schemas.microsoft.com/office/drawing/2014/main" id="{2FEDB25D-4842-A847-F204-6382884E7285}"/>
+                <a16:creationId xmlns:a16="http://schemas.microsoft.com/office/drawing/2014/main" id="{2FB3EBF2-F61A-DA27-9961-85A59444D841}"/>
               </a:ext>
             </a:extLst>
           </p:cNvPr>
@@ -5316,15 +5283,33 @@
           <a:p>
             <a:r>
               <a:rPr lang="en-US" dirty="0"/>
-              <a:t>Basically a type safe function pointer</a:t>
-            </a:r>
+              <a:t>Not Thread safe</a:t>
+            </a:r>
+          </a:p>
+          <a:p>
+            <a:r>
+              <a:rPr lang="en-US" dirty="0"/>
+              <a:t>Multiple threads can access at once</a:t>
+            </a:r>
+          </a:p>
+          <a:p>
+            <a:pPr lvl="1"/>
+            <a:r>
+              <a:rPr lang="en-US" dirty="0"/>
+              <a:t>We use it once, it’s kind of ok to </a:t>
+            </a:r>
+            <a:r>
+              <a:rPr lang="en-US"/>
+              <a:t>just ignore it here.</a:t>
+            </a:r>
+            <a:endParaRPr lang="en-US" dirty="0"/>
           </a:p>
         </p:txBody>
       </p:sp>
     </p:spTree>
     <p:extLst>
       <p:ext uri="{BB962C8B-B14F-4D97-AF65-F5344CB8AC3E}">
-        <p14:creationId xmlns:p14="http://schemas.microsoft.com/office/powerpoint/2010/main" val="2887983397"/>
+        <p14:creationId xmlns:p14="http://schemas.microsoft.com/office/powerpoint/2010/main" val="894894766"/>
       </p:ext>
     </p:extLst>
   </p:cSld>

--- a/CLR_via_CSharp/Chapter 11 - Events/Events.pptx
+++ b/CLR_via_CSharp/Chapter 11 - Events/Events.pptx
@@ -3211,7 +3211,7 @@
           <a:p>
             <a:r>
               <a:rPr lang="en-US" dirty="0"/>
-              <a:t>What does the Compiler do</a:t>
+              <a:t>What does the Compiler do with an event</a:t>
             </a:r>
           </a:p>
         </p:txBody>
@@ -3333,7 +3333,7 @@
           <a:p>
             <a:r>
               <a:rPr lang="en-US" dirty="0"/>
-              <a:t>We need a listener for the event</a:t>
+              <a:t>Jeffrey’s Steps for Success</a:t>
             </a:r>
           </a:p>
         </p:txBody>
@@ -3359,7 +3359,58 @@
           <a:bodyPr/>
           <a:lstStyle/>
           <a:p>
-            <a:endParaRPr lang="en-US"/>
+            <a:pPr marL="514350" indent="-514350">
+              <a:buAutoNum type="arabicPeriod"/>
+            </a:pPr>
+            <a:r>
+              <a:rPr lang="en-US" dirty="0"/>
+              <a:t>Define your message type</a:t>
+            </a:r>
+          </a:p>
+          <a:p>
+            <a:pPr marL="971550" lvl="1" indent="-514350">
+              <a:buAutoNum type="arabicPeriod"/>
+            </a:pPr>
+            <a:r>
+              <a:rPr lang="en-US" dirty="0"/>
+              <a:t>“call this your RNA”</a:t>
+            </a:r>
+          </a:p>
+          <a:p>
+            <a:pPr marL="514350" indent="-514350">
+              <a:buAutoNum type="arabicPeriod"/>
+            </a:pPr>
+            <a:r>
+              <a:rPr lang="en-US" dirty="0"/>
+              <a:t>Define your event member</a:t>
+            </a:r>
+          </a:p>
+          <a:p>
+            <a:pPr marL="514350" indent="-514350">
+              <a:buAutoNum type="arabicPeriod"/>
+            </a:pPr>
+            <a:r>
+              <a:rPr lang="en-US" dirty="0"/>
+              <a:t>Define your method responsible for raising event and notifying the objects event occurred.</a:t>
+            </a:r>
+          </a:p>
+          <a:p>
+            <a:pPr marL="514350" indent="-514350">
+              <a:buAutoNum type="arabicPeriod"/>
+            </a:pPr>
+            <a:r>
+              <a:rPr lang="en-US" dirty="0"/>
+              <a:t>Define how method translates input into desired event</a:t>
+            </a:r>
+          </a:p>
+          <a:p>
+            <a:pPr marL="514350" indent="-514350">
+              <a:buAutoNum type="arabicPeriod"/>
+            </a:pPr>
+            <a:r>
+              <a:rPr lang="en-US" dirty="0"/>
+              <a:t>Create your ‘listeners’ and connect them</a:t>
+            </a:r>
           </a:p>
         </p:txBody>
       </p:sp>
@@ -5296,13 +5347,8 @@
             <a:pPr lvl="1"/>
             <a:r>
               <a:rPr lang="en-US" dirty="0"/>
-              <a:t>We use it once, it’s kind of ok to </a:t>
-            </a:r>
-            <a:r>
-              <a:rPr lang="en-US"/>
-              <a:t>just ignore it here.</a:t>
-            </a:r>
-            <a:endParaRPr lang="en-US" dirty="0"/>
+              <a:t>We use it once, it’s kind of ok to just ignore it here.</a:t>
+            </a:r>
           </a:p>
         </p:txBody>
       </p:sp>

--- a/CLR_via_CSharp/Chapter 11 - Events/Events.pptx
+++ b/CLR_via_CSharp/Chapter 11 - Events/Events.pptx
@@ -3490,7 +3490,9 @@
         </p:nvSpPr>
         <p:spPr/>
         <p:txBody>
-          <a:bodyPr/>
+          <a:bodyPr>
+            <a:normAutofit fontScale="92500"/>
+          </a:bodyPr>
           <a:lstStyle/>
           <a:p>
             <a:pPr marL="0" indent="0">
@@ -3566,6 +3568,14 @@
             <a:pPr marL="0" indent="0">
               <a:buNone/>
             </a:pPr>
+            <a:r>
+              <a:rPr lang="en-US" dirty="0"/>
+              <a:t>Auto implemented </a:t>
+            </a:r>
+            <a:r>
+              <a:rPr lang="en-US"/>
+              <a:t>event property</a:t>
+            </a:r>
             <a:endParaRPr lang="en-US" dirty="0"/>
           </a:p>
         </p:txBody>
@@ -5136,8 +5146,8 @@
         </p:blipFill>
         <p:spPr bwMode="auto">
           <a:xfrm>
-            <a:off x="4114800" y="1938338"/>
-            <a:ext cx="3962400" cy="2981325"/>
+            <a:off x="1618407" y="1137227"/>
+            <a:ext cx="6887671" cy="5182310"/>
           </a:xfrm>
           <a:prstGeom prst="rect">
             <a:avLst/>

--- a/CLR_via_CSharp/Chapter 11 - Events/Events.pptx
+++ b/CLR_via_CSharp/Chapter 11 - Events/Events.pptx
@@ -277,7 +277,7 @@
           <a:p>
             <a:fld id="{B848D08C-1D48-4FF5-B052-B49761164EE0}" type="datetimeFigureOut">
               <a:rPr lang="en-US" smtClean="0"/>
-              <a:t>9/30/2022</a:t>
+              <a:t>10/7/2022</a:t>
             </a:fld>
             <a:endParaRPr lang="en-US"/>
           </a:p>
@@ -447,7 +447,7 @@
           <a:p>
             <a:fld id="{B848D08C-1D48-4FF5-B052-B49761164EE0}" type="datetimeFigureOut">
               <a:rPr lang="en-US" smtClean="0"/>
-              <a:t>9/30/2022</a:t>
+              <a:t>10/7/2022</a:t>
             </a:fld>
             <a:endParaRPr lang="en-US"/>
           </a:p>
@@ -627,7 +627,7 @@
           <a:p>
             <a:fld id="{B848D08C-1D48-4FF5-B052-B49761164EE0}" type="datetimeFigureOut">
               <a:rPr lang="en-US" smtClean="0"/>
-              <a:t>9/30/2022</a:t>
+              <a:t>10/7/2022</a:t>
             </a:fld>
             <a:endParaRPr lang="en-US"/>
           </a:p>
@@ -797,7 +797,7 @@
           <a:p>
             <a:fld id="{B848D08C-1D48-4FF5-B052-B49761164EE0}" type="datetimeFigureOut">
               <a:rPr lang="en-US" smtClean="0"/>
-              <a:t>9/30/2022</a:t>
+              <a:t>10/7/2022</a:t>
             </a:fld>
             <a:endParaRPr lang="en-US"/>
           </a:p>
@@ -1043,7 +1043,7 @@
           <a:p>
             <a:fld id="{B848D08C-1D48-4FF5-B052-B49761164EE0}" type="datetimeFigureOut">
               <a:rPr lang="en-US" smtClean="0"/>
-              <a:t>9/30/2022</a:t>
+              <a:t>10/7/2022</a:t>
             </a:fld>
             <a:endParaRPr lang="en-US"/>
           </a:p>
@@ -1275,7 +1275,7 @@
           <a:p>
             <a:fld id="{B848D08C-1D48-4FF5-B052-B49761164EE0}" type="datetimeFigureOut">
               <a:rPr lang="en-US" smtClean="0"/>
-              <a:t>9/30/2022</a:t>
+              <a:t>10/7/2022</a:t>
             </a:fld>
             <a:endParaRPr lang="en-US"/>
           </a:p>
@@ -1642,7 +1642,7 @@
           <a:p>
             <a:fld id="{B848D08C-1D48-4FF5-B052-B49761164EE0}" type="datetimeFigureOut">
               <a:rPr lang="en-US" smtClean="0"/>
-              <a:t>9/30/2022</a:t>
+              <a:t>10/7/2022</a:t>
             </a:fld>
             <a:endParaRPr lang="en-US"/>
           </a:p>
@@ -1760,7 +1760,7 @@
           <a:p>
             <a:fld id="{B848D08C-1D48-4FF5-B052-B49761164EE0}" type="datetimeFigureOut">
               <a:rPr lang="en-US" smtClean="0"/>
-              <a:t>9/30/2022</a:t>
+              <a:t>10/7/2022</a:t>
             </a:fld>
             <a:endParaRPr lang="en-US"/>
           </a:p>
@@ -1855,7 +1855,7 @@
           <a:p>
             <a:fld id="{B848D08C-1D48-4FF5-B052-B49761164EE0}" type="datetimeFigureOut">
               <a:rPr lang="en-US" smtClean="0"/>
-              <a:t>9/30/2022</a:t>
+              <a:t>10/7/2022</a:t>
             </a:fld>
             <a:endParaRPr lang="en-US"/>
           </a:p>
@@ -2132,7 +2132,7 @@
           <a:p>
             <a:fld id="{B848D08C-1D48-4FF5-B052-B49761164EE0}" type="datetimeFigureOut">
               <a:rPr lang="en-US" smtClean="0"/>
-              <a:t>9/30/2022</a:t>
+              <a:t>10/7/2022</a:t>
             </a:fld>
             <a:endParaRPr lang="en-US"/>
           </a:p>
@@ -2389,7 +2389,7 @@
           <a:p>
             <a:fld id="{B848D08C-1D48-4FF5-B052-B49761164EE0}" type="datetimeFigureOut">
               <a:rPr lang="en-US" smtClean="0"/>
-              <a:t>9/30/2022</a:t>
+              <a:t>10/7/2022</a:t>
             </a:fld>
             <a:endParaRPr lang="en-US"/>
           </a:p>
@@ -2602,7 +2602,7 @@
           <a:p>
             <a:fld id="{B848D08C-1D48-4FF5-B052-B49761164EE0}" type="datetimeFigureOut">
               <a:rPr lang="en-US" smtClean="0"/>
-              <a:t>9/30/2022</a:t>
+              <a:t>10/7/2022</a:t>
             </a:fld>
             <a:endParaRPr lang="en-US"/>
           </a:p>
@@ -3491,7 +3491,7 @@
         <p:spPr/>
         <p:txBody>
           <a:bodyPr>
-            <a:normAutofit fontScale="92500"/>
+            <a:normAutofit/>
           </a:bodyPr>
           <a:lstStyle/>
           <a:p>
@@ -3563,20 +3563,6 @@
               <a:rPr lang="en-US" dirty="0"/>
               <a:t>Method it’s initialized in</a:t>
             </a:r>
-          </a:p>
-          <a:p>
-            <a:pPr marL="0" indent="0">
-              <a:buNone/>
-            </a:pPr>
-            <a:r>
-              <a:rPr lang="en-US" dirty="0"/>
-              <a:t>Auto implemented </a:t>
-            </a:r>
-            <a:r>
-              <a:rPr lang="en-US"/>
-              <a:t>event property</a:t>
-            </a:r>
-            <a:endParaRPr lang="en-US" dirty="0"/>
           </a:p>
         </p:txBody>
       </p:sp>
